--- a/doc/Architecture.pptx
+++ b/doc/Architecture.pptx
@@ -5,11 +5,14 @@
     <p:sldMasterId id="2147483648" r:id="rId1"/>
   </p:sldMasterIdLst>
   <p:sldIdLst>
-    <p:sldId id="256" r:id="rId2"/>
-    <p:sldId id="258" r:id="rId3"/>
-    <p:sldId id="259" r:id="rId4"/>
-    <p:sldId id="260" r:id="rId5"/>
-    <p:sldId id="261" r:id="rId6"/>
+    <p:sldId id="263" r:id="rId2"/>
+    <p:sldId id="256" r:id="rId3"/>
+    <p:sldId id="264" r:id="rId4"/>
+    <p:sldId id="258" r:id="rId5"/>
+    <p:sldId id="259" r:id="rId6"/>
+    <p:sldId id="260" r:id="rId7"/>
+    <p:sldId id="262" r:id="rId8"/>
+    <p:sldId id="261" r:id="rId9"/>
   </p:sldIdLst>
   <p:sldSz cx="12192000" cy="6858000"/>
   <p:notesSz cx="6858000" cy="9144000"/>
@@ -108,6 +111,11 @@
       </a:defRPr>
     </a:lvl9pPr>
   </p:defaultTextStyle>
+  <p:extLst>
+    <p:ext uri="{EFAFB233-063F-42B5-8137-9DF3F51BA10A}">
+      <p15:sldGuideLst xmlns:p15="http://schemas.microsoft.com/office/powerpoint/2012/main"/>
+    </p:ext>
+  </p:extLst>
 </p:presentation>
 </file>
 
@@ -153,10 +161,9 @@
           </a:lstStyle>
           <a:p>
             <a:r>
-              <a:rPr lang="zh-TW" altLang="en-US" smtClean="0"/>
+              <a:rPr lang="zh-TW" altLang="en-US"/>
               <a:t>按一下以編輯母片標題樣式</a:t>
             </a:r>
-            <a:endParaRPr lang="zh-TW" altLang="en-US"/>
           </a:p>
         </p:txBody>
       </p:sp>
@@ -218,10 +225,9 @@
           </a:lstStyle>
           <a:p>
             <a:r>
-              <a:rPr lang="zh-TW" altLang="en-US" smtClean="0"/>
+              <a:rPr lang="zh-TW" altLang="en-US"/>
               <a:t>按一下以編輯母片副標題樣式</a:t>
             </a:r>
-            <a:endParaRPr lang="zh-TW" altLang="en-US"/>
           </a:p>
         </p:txBody>
       </p:sp>
@@ -242,7 +248,7 @@
           <a:p>
             <a:fld id="{471A9F7E-820B-4F06-8CF7-E8A2C20ECA50}" type="datetimeFigureOut">
               <a:rPr lang="zh-TW" altLang="en-US" smtClean="0"/>
-              <a:t>2020/6/14</a:t>
+              <a:t>2020/7/7</a:t>
             </a:fld>
             <a:endParaRPr lang="zh-TW" altLang="en-US"/>
           </a:p>
@@ -336,10 +342,9 @@
           <a:lstStyle/>
           <a:p>
             <a:r>
-              <a:rPr lang="zh-TW" altLang="en-US" smtClean="0"/>
+              <a:rPr lang="zh-TW" altLang="en-US"/>
               <a:t>按一下以編輯母片標題樣式</a:t>
             </a:r>
-            <a:endParaRPr lang="zh-TW" altLang="en-US"/>
           </a:p>
         </p:txBody>
       </p:sp>
@@ -360,38 +365,37 @@
           <a:p>
             <a:pPr lvl="0"/>
             <a:r>
-              <a:rPr lang="zh-TW" altLang="en-US" smtClean="0"/>
+              <a:rPr lang="zh-TW" altLang="en-US"/>
               <a:t>按一下以編輯母片文字樣式</a:t>
             </a:r>
           </a:p>
           <a:p>
             <a:pPr lvl="1"/>
             <a:r>
-              <a:rPr lang="zh-TW" altLang="en-US" smtClean="0"/>
+              <a:rPr lang="zh-TW" altLang="en-US"/>
               <a:t>第二層</a:t>
             </a:r>
           </a:p>
           <a:p>
             <a:pPr lvl="2"/>
             <a:r>
-              <a:rPr lang="zh-TW" altLang="en-US" smtClean="0"/>
+              <a:rPr lang="zh-TW" altLang="en-US"/>
               <a:t>第三層</a:t>
             </a:r>
           </a:p>
           <a:p>
             <a:pPr lvl="3"/>
             <a:r>
-              <a:rPr lang="zh-TW" altLang="en-US" smtClean="0"/>
+              <a:rPr lang="zh-TW" altLang="en-US"/>
               <a:t>第四層</a:t>
             </a:r>
           </a:p>
           <a:p>
             <a:pPr lvl="4"/>
             <a:r>
-              <a:rPr lang="zh-TW" altLang="en-US" smtClean="0"/>
+              <a:rPr lang="zh-TW" altLang="en-US"/>
               <a:t>第五層</a:t>
             </a:r>
-            <a:endParaRPr lang="zh-TW" altLang="en-US"/>
           </a:p>
         </p:txBody>
       </p:sp>
@@ -412,7 +416,7 @@
           <a:p>
             <a:fld id="{471A9F7E-820B-4F06-8CF7-E8A2C20ECA50}" type="datetimeFigureOut">
               <a:rPr lang="zh-TW" altLang="en-US" smtClean="0"/>
-              <a:t>2020/6/14</a:t>
+              <a:t>2020/7/7</a:t>
             </a:fld>
             <a:endParaRPr lang="zh-TW" altLang="en-US"/>
           </a:p>
@@ -511,10 +515,9 @@
           <a:lstStyle/>
           <a:p>
             <a:r>
-              <a:rPr lang="zh-TW" altLang="en-US" smtClean="0"/>
+              <a:rPr lang="zh-TW" altLang="en-US"/>
               <a:t>按一下以編輯母片標題樣式</a:t>
             </a:r>
-            <a:endParaRPr lang="zh-TW" altLang="en-US"/>
           </a:p>
         </p:txBody>
       </p:sp>
@@ -540,38 +543,37 @@
           <a:p>
             <a:pPr lvl="0"/>
             <a:r>
-              <a:rPr lang="zh-TW" altLang="en-US" smtClean="0"/>
+              <a:rPr lang="zh-TW" altLang="en-US"/>
               <a:t>按一下以編輯母片文字樣式</a:t>
             </a:r>
           </a:p>
           <a:p>
             <a:pPr lvl="1"/>
             <a:r>
-              <a:rPr lang="zh-TW" altLang="en-US" smtClean="0"/>
+              <a:rPr lang="zh-TW" altLang="en-US"/>
               <a:t>第二層</a:t>
             </a:r>
           </a:p>
           <a:p>
             <a:pPr lvl="2"/>
             <a:r>
-              <a:rPr lang="zh-TW" altLang="en-US" smtClean="0"/>
+              <a:rPr lang="zh-TW" altLang="en-US"/>
               <a:t>第三層</a:t>
             </a:r>
           </a:p>
           <a:p>
             <a:pPr lvl="3"/>
             <a:r>
-              <a:rPr lang="zh-TW" altLang="en-US" smtClean="0"/>
+              <a:rPr lang="zh-TW" altLang="en-US"/>
               <a:t>第四層</a:t>
             </a:r>
           </a:p>
           <a:p>
             <a:pPr lvl="4"/>
             <a:r>
-              <a:rPr lang="zh-TW" altLang="en-US" smtClean="0"/>
+              <a:rPr lang="zh-TW" altLang="en-US"/>
               <a:t>第五層</a:t>
             </a:r>
-            <a:endParaRPr lang="zh-TW" altLang="en-US"/>
           </a:p>
         </p:txBody>
       </p:sp>
@@ -592,7 +594,7 @@
           <a:p>
             <a:fld id="{471A9F7E-820B-4F06-8CF7-E8A2C20ECA50}" type="datetimeFigureOut">
               <a:rPr lang="zh-TW" altLang="en-US" smtClean="0"/>
-              <a:t>2020/6/14</a:t>
+              <a:t>2020/7/7</a:t>
             </a:fld>
             <a:endParaRPr lang="zh-TW" altLang="en-US"/>
           </a:p>
@@ -686,10 +688,9 @@
           <a:lstStyle/>
           <a:p>
             <a:r>
-              <a:rPr lang="zh-TW" altLang="en-US" smtClean="0"/>
+              <a:rPr lang="zh-TW" altLang="en-US"/>
               <a:t>按一下以編輯母片標題樣式</a:t>
             </a:r>
-            <a:endParaRPr lang="zh-TW" altLang="en-US"/>
           </a:p>
         </p:txBody>
       </p:sp>
@@ -710,38 +711,37 @@
           <a:p>
             <a:pPr lvl="0"/>
             <a:r>
-              <a:rPr lang="zh-TW" altLang="en-US" smtClean="0"/>
+              <a:rPr lang="zh-TW" altLang="en-US"/>
               <a:t>按一下以編輯母片文字樣式</a:t>
             </a:r>
           </a:p>
           <a:p>
             <a:pPr lvl="1"/>
             <a:r>
-              <a:rPr lang="zh-TW" altLang="en-US" smtClean="0"/>
+              <a:rPr lang="zh-TW" altLang="en-US"/>
               <a:t>第二層</a:t>
             </a:r>
           </a:p>
           <a:p>
             <a:pPr lvl="2"/>
             <a:r>
-              <a:rPr lang="zh-TW" altLang="en-US" smtClean="0"/>
+              <a:rPr lang="zh-TW" altLang="en-US"/>
               <a:t>第三層</a:t>
             </a:r>
           </a:p>
           <a:p>
             <a:pPr lvl="3"/>
             <a:r>
-              <a:rPr lang="zh-TW" altLang="en-US" smtClean="0"/>
+              <a:rPr lang="zh-TW" altLang="en-US"/>
               <a:t>第四層</a:t>
             </a:r>
           </a:p>
           <a:p>
             <a:pPr lvl="4"/>
             <a:r>
-              <a:rPr lang="zh-TW" altLang="en-US" smtClean="0"/>
+              <a:rPr lang="zh-TW" altLang="en-US"/>
               <a:t>第五層</a:t>
             </a:r>
-            <a:endParaRPr lang="zh-TW" altLang="en-US"/>
           </a:p>
         </p:txBody>
       </p:sp>
@@ -762,7 +762,7 @@
           <a:p>
             <a:fld id="{471A9F7E-820B-4F06-8CF7-E8A2C20ECA50}" type="datetimeFigureOut">
               <a:rPr lang="zh-TW" altLang="en-US" smtClean="0"/>
-              <a:t>2020/6/14</a:t>
+              <a:t>2020/7/7</a:t>
             </a:fld>
             <a:endParaRPr lang="zh-TW" altLang="en-US"/>
           </a:p>
@@ -865,10 +865,9 @@
           </a:lstStyle>
           <a:p>
             <a:r>
-              <a:rPr lang="zh-TW" altLang="en-US" smtClean="0"/>
+              <a:rPr lang="zh-TW" altLang="en-US"/>
               <a:t>按一下以編輯母片標題樣式</a:t>
             </a:r>
-            <a:endParaRPr lang="zh-TW" altLang="en-US"/>
           </a:p>
         </p:txBody>
       </p:sp>
@@ -985,7 +984,7 @@
           <a:p>
             <a:pPr lvl="0"/>
             <a:r>
-              <a:rPr lang="zh-TW" altLang="en-US" smtClean="0"/>
+              <a:rPr lang="zh-TW" altLang="en-US"/>
               <a:t>按一下以編輯母片文字樣式</a:t>
             </a:r>
           </a:p>
@@ -1008,7 +1007,7 @@
           <a:p>
             <a:fld id="{471A9F7E-820B-4F06-8CF7-E8A2C20ECA50}" type="datetimeFigureOut">
               <a:rPr lang="zh-TW" altLang="en-US" smtClean="0"/>
-              <a:t>2020/6/14</a:t>
+              <a:t>2020/7/7</a:t>
             </a:fld>
             <a:endParaRPr lang="zh-TW" altLang="en-US"/>
           </a:p>
@@ -1102,10 +1101,9 @@
           <a:lstStyle/>
           <a:p>
             <a:r>
-              <a:rPr lang="zh-TW" altLang="en-US" smtClean="0"/>
+              <a:rPr lang="zh-TW" altLang="en-US"/>
               <a:t>按一下以編輯母片標題樣式</a:t>
             </a:r>
-            <a:endParaRPr lang="zh-TW" altLang="en-US"/>
           </a:p>
         </p:txBody>
       </p:sp>
@@ -1131,38 +1129,37 @@
           <a:p>
             <a:pPr lvl="0"/>
             <a:r>
-              <a:rPr lang="zh-TW" altLang="en-US" smtClean="0"/>
+              <a:rPr lang="zh-TW" altLang="en-US"/>
               <a:t>按一下以編輯母片文字樣式</a:t>
             </a:r>
           </a:p>
           <a:p>
             <a:pPr lvl="1"/>
             <a:r>
-              <a:rPr lang="zh-TW" altLang="en-US" smtClean="0"/>
+              <a:rPr lang="zh-TW" altLang="en-US"/>
               <a:t>第二層</a:t>
             </a:r>
           </a:p>
           <a:p>
             <a:pPr lvl="2"/>
             <a:r>
-              <a:rPr lang="zh-TW" altLang="en-US" smtClean="0"/>
+              <a:rPr lang="zh-TW" altLang="en-US"/>
               <a:t>第三層</a:t>
             </a:r>
           </a:p>
           <a:p>
             <a:pPr lvl="3"/>
             <a:r>
-              <a:rPr lang="zh-TW" altLang="en-US" smtClean="0"/>
+              <a:rPr lang="zh-TW" altLang="en-US"/>
               <a:t>第四層</a:t>
             </a:r>
           </a:p>
           <a:p>
             <a:pPr lvl="4"/>
             <a:r>
-              <a:rPr lang="zh-TW" altLang="en-US" smtClean="0"/>
+              <a:rPr lang="zh-TW" altLang="en-US"/>
               <a:t>第五層</a:t>
             </a:r>
-            <a:endParaRPr lang="zh-TW" altLang="en-US"/>
           </a:p>
         </p:txBody>
       </p:sp>
@@ -1188,38 +1185,37 @@
           <a:p>
             <a:pPr lvl="0"/>
             <a:r>
-              <a:rPr lang="zh-TW" altLang="en-US" smtClean="0"/>
+              <a:rPr lang="zh-TW" altLang="en-US"/>
               <a:t>按一下以編輯母片文字樣式</a:t>
             </a:r>
           </a:p>
           <a:p>
             <a:pPr lvl="1"/>
             <a:r>
-              <a:rPr lang="zh-TW" altLang="en-US" smtClean="0"/>
+              <a:rPr lang="zh-TW" altLang="en-US"/>
               <a:t>第二層</a:t>
             </a:r>
           </a:p>
           <a:p>
             <a:pPr lvl="2"/>
             <a:r>
-              <a:rPr lang="zh-TW" altLang="en-US" smtClean="0"/>
+              <a:rPr lang="zh-TW" altLang="en-US"/>
               <a:t>第三層</a:t>
             </a:r>
           </a:p>
           <a:p>
             <a:pPr lvl="3"/>
             <a:r>
-              <a:rPr lang="zh-TW" altLang="en-US" smtClean="0"/>
+              <a:rPr lang="zh-TW" altLang="en-US"/>
               <a:t>第四層</a:t>
             </a:r>
           </a:p>
           <a:p>
             <a:pPr lvl="4"/>
             <a:r>
-              <a:rPr lang="zh-TW" altLang="en-US" smtClean="0"/>
+              <a:rPr lang="zh-TW" altLang="en-US"/>
               <a:t>第五層</a:t>
             </a:r>
-            <a:endParaRPr lang="zh-TW" altLang="en-US"/>
           </a:p>
         </p:txBody>
       </p:sp>
@@ -1240,7 +1236,7 @@
           <a:p>
             <a:fld id="{471A9F7E-820B-4F06-8CF7-E8A2C20ECA50}" type="datetimeFigureOut">
               <a:rPr lang="zh-TW" altLang="en-US" smtClean="0"/>
-              <a:t>2020/6/14</a:t>
+              <a:t>2020/7/7</a:t>
             </a:fld>
             <a:endParaRPr lang="zh-TW" altLang="en-US"/>
           </a:p>
@@ -1339,10 +1335,9 @@
           <a:lstStyle/>
           <a:p>
             <a:r>
-              <a:rPr lang="zh-TW" altLang="en-US" smtClean="0"/>
+              <a:rPr lang="zh-TW" altLang="en-US"/>
               <a:t>按一下以編輯母片標題樣式</a:t>
             </a:r>
-            <a:endParaRPr lang="zh-TW" altLang="en-US"/>
           </a:p>
         </p:txBody>
       </p:sp>
@@ -1405,7 +1400,7 @@
           <a:p>
             <a:pPr lvl="0"/>
             <a:r>
-              <a:rPr lang="zh-TW" altLang="en-US" smtClean="0"/>
+              <a:rPr lang="zh-TW" altLang="en-US"/>
               <a:t>按一下以編輯母片文字樣式</a:t>
             </a:r>
           </a:p>
@@ -1433,38 +1428,37 @@
           <a:p>
             <a:pPr lvl="0"/>
             <a:r>
-              <a:rPr lang="zh-TW" altLang="en-US" smtClean="0"/>
+              <a:rPr lang="zh-TW" altLang="en-US"/>
               <a:t>按一下以編輯母片文字樣式</a:t>
             </a:r>
           </a:p>
           <a:p>
             <a:pPr lvl="1"/>
             <a:r>
-              <a:rPr lang="zh-TW" altLang="en-US" smtClean="0"/>
+              <a:rPr lang="zh-TW" altLang="en-US"/>
               <a:t>第二層</a:t>
             </a:r>
           </a:p>
           <a:p>
             <a:pPr lvl="2"/>
             <a:r>
-              <a:rPr lang="zh-TW" altLang="en-US" smtClean="0"/>
+              <a:rPr lang="zh-TW" altLang="en-US"/>
               <a:t>第三層</a:t>
             </a:r>
           </a:p>
           <a:p>
             <a:pPr lvl="3"/>
             <a:r>
-              <a:rPr lang="zh-TW" altLang="en-US" smtClean="0"/>
+              <a:rPr lang="zh-TW" altLang="en-US"/>
               <a:t>第四層</a:t>
             </a:r>
           </a:p>
           <a:p>
             <a:pPr lvl="4"/>
             <a:r>
-              <a:rPr lang="zh-TW" altLang="en-US" smtClean="0"/>
+              <a:rPr lang="zh-TW" altLang="en-US"/>
               <a:t>第五層</a:t>
             </a:r>
-            <a:endParaRPr lang="zh-TW" altLang="en-US"/>
           </a:p>
         </p:txBody>
       </p:sp>
@@ -1527,7 +1521,7 @@
           <a:p>
             <a:pPr lvl="0"/>
             <a:r>
-              <a:rPr lang="zh-TW" altLang="en-US" smtClean="0"/>
+              <a:rPr lang="zh-TW" altLang="en-US"/>
               <a:t>按一下以編輯母片文字樣式</a:t>
             </a:r>
           </a:p>
@@ -1555,38 +1549,37 @@
           <a:p>
             <a:pPr lvl="0"/>
             <a:r>
-              <a:rPr lang="zh-TW" altLang="en-US" smtClean="0"/>
+              <a:rPr lang="zh-TW" altLang="en-US"/>
               <a:t>按一下以編輯母片文字樣式</a:t>
             </a:r>
           </a:p>
           <a:p>
             <a:pPr lvl="1"/>
             <a:r>
-              <a:rPr lang="zh-TW" altLang="en-US" smtClean="0"/>
+              <a:rPr lang="zh-TW" altLang="en-US"/>
               <a:t>第二層</a:t>
             </a:r>
           </a:p>
           <a:p>
             <a:pPr lvl="2"/>
             <a:r>
-              <a:rPr lang="zh-TW" altLang="en-US" smtClean="0"/>
+              <a:rPr lang="zh-TW" altLang="en-US"/>
               <a:t>第三層</a:t>
             </a:r>
           </a:p>
           <a:p>
             <a:pPr lvl="3"/>
             <a:r>
-              <a:rPr lang="zh-TW" altLang="en-US" smtClean="0"/>
+              <a:rPr lang="zh-TW" altLang="en-US"/>
               <a:t>第四層</a:t>
             </a:r>
           </a:p>
           <a:p>
             <a:pPr lvl="4"/>
             <a:r>
-              <a:rPr lang="zh-TW" altLang="en-US" smtClean="0"/>
+              <a:rPr lang="zh-TW" altLang="en-US"/>
               <a:t>第五層</a:t>
             </a:r>
-            <a:endParaRPr lang="zh-TW" altLang="en-US"/>
           </a:p>
         </p:txBody>
       </p:sp>
@@ -1607,7 +1600,7 @@
           <a:p>
             <a:fld id="{471A9F7E-820B-4F06-8CF7-E8A2C20ECA50}" type="datetimeFigureOut">
               <a:rPr lang="zh-TW" altLang="en-US" smtClean="0"/>
-              <a:t>2020/6/14</a:t>
+              <a:t>2020/7/7</a:t>
             </a:fld>
             <a:endParaRPr lang="zh-TW" altLang="en-US"/>
           </a:p>
@@ -1701,10 +1694,9 @@
           <a:lstStyle/>
           <a:p>
             <a:r>
-              <a:rPr lang="zh-TW" altLang="en-US" smtClean="0"/>
+              <a:rPr lang="zh-TW" altLang="en-US"/>
               <a:t>按一下以編輯母片標題樣式</a:t>
             </a:r>
-            <a:endParaRPr lang="zh-TW" altLang="en-US"/>
           </a:p>
         </p:txBody>
       </p:sp>
@@ -1725,7 +1717,7 @@
           <a:p>
             <a:fld id="{471A9F7E-820B-4F06-8CF7-E8A2C20ECA50}" type="datetimeFigureOut">
               <a:rPr lang="zh-TW" altLang="en-US" smtClean="0"/>
-              <a:t>2020/6/14</a:t>
+              <a:t>2020/7/7</a:t>
             </a:fld>
             <a:endParaRPr lang="zh-TW" altLang="en-US"/>
           </a:p>
@@ -1820,7 +1812,7 @@
           <a:p>
             <a:fld id="{471A9F7E-820B-4F06-8CF7-E8A2C20ECA50}" type="datetimeFigureOut">
               <a:rPr lang="zh-TW" altLang="en-US" smtClean="0"/>
-              <a:t>2020/6/14</a:t>
+              <a:t>2020/7/7</a:t>
             </a:fld>
             <a:endParaRPr lang="zh-TW" altLang="en-US"/>
           </a:p>
@@ -1923,10 +1915,9 @@
           </a:lstStyle>
           <a:p>
             <a:r>
-              <a:rPr lang="zh-TW" altLang="en-US" smtClean="0"/>
+              <a:rPr lang="zh-TW" altLang="en-US"/>
               <a:t>按一下以編輯母片標題樣式</a:t>
             </a:r>
-            <a:endParaRPr lang="zh-TW" altLang="en-US"/>
           </a:p>
         </p:txBody>
       </p:sp>
@@ -1980,38 +1971,37 @@
           <a:p>
             <a:pPr lvl="0"/>
             <a:r>
-              <a:rPr lang="zh-TW" altLang="en-US" smtClean="0"/>
+              <a:rPr lang="zh-TW" altLang="en-US"/>
               <a:t>按一下以編輯母片文字樣式</a:t>
             </a:r>
           </a:p>
           <a:p>
             <a:pPr lvl="1"/>
             <a:r>
-              <a:rPr lang="zh-TW" altLang="en-US" smtClean="0"/>
+              <a:rPr lang="zh-TW" altLang="en-US"/>
               <a:t>第二層</a:t>
             </a:r>
           </a:p>
           <a:p>
             <a:pPr lvl="2"/>
             <a:r>
-              <a:rPr lang="zh-TW" altLang="en-US" smtClean="0"/>
+              <a:rPr lang="zh-TW" altLang="en-US"/>
               <a:t>第三層</a:t>
             </a:r>
           </a:p>
           <a:p>
             <a:pPr lvl="3"/>
             <a:r>
-              <a:rPr lang="zh-TW" altLang="en-US" smtClean="0"/>
+              <a:rPr lang="zh-TW" altLang="en-US"/>
               <a:t>第四層</a:t>
             </a:r>
           </a:p>
           <a:p>
             <a:pPr lvl="4"/>
             <a:r>
-              <a:rPr lang="zh-TW" altLang="en-US" smtClean="0"/>
+              <a:rPr lang="zh-TW" altLang="en-US"/>
               <a:t>第五層</a:t>
             </a:r>
-            <a:endParaRPr lang="zh-TW" altLang="en-US"/>
           </a:p>
         </p:txBody>
       </p:sp>
@@ -2074,7 +2064,7 @@
           <a:p>
             <a:pPr lvl="0"/>
             <a:r>
-              <a:rPr lang="zh-TW" altLang="en-US" smtClean="0"/>
+              <a:rPr lang="zh-TW" altLang="en-US"/>
               <a:t>按一下以編輯母片文字樣式</a:t>
             </a:r>
           </a:p>
@@ -2097,7 +2087,7 @@
           <a:p>
             <a:fld id="{471A9F7E-820B-4F06-8CF7-E8A2C20ECA50}" type="datetimeFigureOut">
               <a:rPr lang="zh-TW" altLang="en-US" smtClean="0"/>
-              <a:t>2020/6/14</a:t>
+              <a:t>2020/7/7</a:t>
             </a:fld>
             <a:endParaRPr lang="zh-TW" altLang="en-US"/>
           </a:p>
@@ -2200,10 +2190,9 @@
           </a:lstStyle>
           <a:p>
             <a:r>
-              <a:rPr lang="zh-TW" altLang="en-US" smtClean="0"/>
+              <a:rPr lang="zh-TW" altLang="en-US"/>
               <a:t>按一下以編輯母片標題樣式</a:t>
             </a:r>
-            <a:endParaRPr lang="zh-TW" altLang="en-US"/>
           </a:p>
         </p:txBody>
       </p:sp>
@@ -2327,7 +2316,7 @@
           <a:p>
             <a:pPr lvl="0"/>
             <a:r>
-              <a:rPr lang="zh-TW" altLang="en-US" smtClean="0"/>
+              <a:rPr lang="zh-TW" altLang="en-US"/>
               <a:t>按一下以編輯母片文字樣式</a:t>
             </a:r>
           </a:p>
@@ -2350,7 +2339,7 @@
           <a:p>
             <a:fld id="{471A9F7E-820B-4F06-8CF7-E8A2C20ECA50}" type="datetimeFigureOut">
               <a:rPr lang="zh-TW" altLang="en-US" smtClean="0"/>
-              <a:t>2020/6/14</a:t>
+              <a:t>2020/7/7</a:t>
             </a:fld>
             <a:endParaRPr lang="zh-TW" altLang="en-US"/>
           </a:p>
@@ -2459,10 +2448,9 @@
           <a:lstStyle/>
           <a:p>
             <a:r>
-              <a:rPr lang="zh-TW" altLang="en-US" smtClean="0"/>
+              <a:rPr lang="zh-TW" altLang="en-US"/>
               <a:t>按一下以編輯母片標題樣式</a:t>
             </a:r>
-            <a:endParaRPr lang="zh-TW" altLang="en-US"/>
           </a:p>
         </p:txBody>
       </p:sp>
@@ -2493,38 +2481,37 @@
           <a:p>
             <a:pPr lvl="0"/>
             <a:r>
-              <a:rPr lang="zh-TW" altLang="en-US" smtClean="0"/>
+              <a:rPr lang="zh-TW" altLang="en-US"/>
               <a:t>按一下以編輯母片文字樣式</a:t>
             </a:r>
           </a:p>
           <a:p>
             <a:pPr lvl="1"/>
             <a:r>
-              <a:rPr lang="zh-TW" altLang="en-US" smtClean="0"/>
+              <a:rPr lang="zh-TW" altLang="en-US"/>
               <a:t>第二層</a:t>
             </a:r>
           </a:p>
           <a:p>
             <a:pPr lvl="2"/>
             <a:r>
-              <a:rPr lang="zh-TW" altLang="en-US" smtClean="0"/>
+              <a:rPr lang="zh-TW" altLang="en-US"/>
               <a:t>第三層</a:t>
             </a:r>
           </a:p>
           <a:p>
             <a:pPr lvl="3"/>
             <a:r>
-              <a:rPr lang="zh-TW" altLang="en-US" smtClean="0"/>
+              <a:rPr lang="zh-TW" altLang="en-US"/>
               <a:t>第四層</a:t>
             </a:r>
           </a:p>
           <a:p>
             <a:pPr lvl="4"/>
             <a:r>
-              <a:rPr lang="zh-TW" altLang="en-US" smtClean="0"/>
+              <a:rPr lang="zh-TW" altLang="en-US"/>
               <a:t>第五層</a:t>
             </a:r>
-            <a:endParaRPr lang="zh-TW" altLang="en-US"/>
           </a:p>
         </p:txBody>
       </p:sp>
@@ -2563,7 +2550,7 @@
           <a:p>
             <a:fld id="{471A9F7E-820B-4F06-8CF7-E8A2C20ECA50}" type="datetimeFigureOut">
               <a:rPr lang="zh-TW" altLang="en-US" smtClean="0"/>
-              <a:t>2020/6/14</a:t>
+              <a:t>2020/7/7</a:t>
             </a:fld>
             <a:endParaRPr lang="zh-TW" altLang="en-US"/>
           </a:p>
@@ -2970,346 +2957,36 @@
       </p:grpSpPr>
       <p:sp>
         <p:nvSpPr>
-          <p:cNvPr id="4" name="圓角矩形 3"/>
-          <p:cNvSpPr/>
-          <p:nvPr/>
-        </p:nvSpPr>
-        <p:spPr>
-          <a:xfrm>
-            <a:off x="2818150" y="1229193"/>
-            <a:ext cx="1678898" cy="449705"/>
-          </a:xfrm>
-          <a:prstGeom prst="roundRect">
-            <a:avLst/>
-          </a:prstGeom>
-        </p:spPr>
-        <p:style>
-          <a:lnRef idx="2">
-            <a:schemeClr val="accent1">
-              <a:shade val="50000"/>
-            </a:schemeClr>
-          </a:lnRef>
-          <a:fillRef idx="1">
-            <a:schemeClr val="accent1"/>
-          </a:fillRef>
-          <a:effectRef idx="0">
-            <a:schemeClr val="accent1"/>
-          </a:effectRef>
-          <a:fontRef idx="minor">
-            <a:schemeClr val="lt1"/>
-          </a:fontRef>
-        </p:style>
-        <p:txBody>
-          <a:bodyPr rtlCol="0" anchor="ctr"/>
-          <a:lstStyle/>
-          <a:p>
-            <a:pPr algn="ctr"/>
-            <a:r>
-              <a:rPr lang="en-US" altLang="zh-TW" dirty="0" smtClean="0"/>
-              <a:t>Client</a:t>
-            </a:r>
-            <a:endParaRPr lang="zh-TW" altLang="en-US" dirty="0"/>
-          </a:p>
-        </p:txBody>
-      </p:sp>
-      <p:sp>
-        <p:nvSpPr>
-          <p:cNvPr id="5" name="圓角矩形 4"/>
-          <p:cNvSpPr/>
-          <p:nvPr/>
-        </p:nvSpPr>
-        <p:spPr>
-          <a:xfrm>
-            <a:off x="7460104" y="1229192"/>
-            <a:ext cx="1678898" cy="449705"/>
-          </a:xfrm>
-          <a:prstGeom prst="roundRect">
-            <a:avLst/>
-          </a:prstGeom>
-        </p:spPr>
-        <p:style>
-          <a:lnRef idx="2">
-            <a:schemeClr val="accent2">
-              <a:shade val="50000"/>
-            </a:schemeClr>
-          </a:lnRef>
-          <a:fillRef idx="1">
-            <a:schemeClr val="accent2"/>
-          </a:fillRef>
-          <a:effectRef idx="0">
-            <a:schemeClr val="accent2"/>
-          </a:effectRef>
-          <a:fontRef idx="minor">
-            <a:schemeClr val="lt1"/>
-          </a:fontRef>
-        </p:style>
-        <p:txBody>
-          <a:bodyPr rtlCol="0" anchor="ctr"/>
-          <a:lstStyle/>
-          <a:p>
-            <a:pPr algn="ctr"/>
-            <a:r>
-              <a:rPr lang="en-US" altLang="zh-TW" dirty="0" smtClean="0"/>
-              <a:t>Server</a:t>
-            </a:r>
-            <a:endParaRPr lang="zh-TW" altLang="en-US" dirty="0"/>
-          </a:p>
-        </p:txBody>
-      </p:sp>
-      <p:sp>
-        <p:nvSpPr>
-          <p:cNvPr id="7" name="橢圓 6"/>
-          <p:cNvSpPr/>
-          <p:nvPr/>
-        </p:nvSpPr>
-        <p:spPr>
-          <a:xfrm>
-            <a:off x="3481431" y="2072081"/>
-            <a:ext cx="343949" cy="343949"/>
-          </a:xfrm>
-          <a:prstGeom prst="ellipse">
-            <a:avLst/>
-          </a:prstGeom>
-        </p:spPr>
-        <p:style>
-          <a:lnRef idx="2">
-            <a:schemeClr val="accent1">
-              <a:shade val="50000"/>
-            </a:schemeClr>
-          </a:lnRef>
-          <a:fillRef idx="1">
-            <a:schemeClr val="accent1"/>
-          </a:fillRef>
-          <a:effectRef idx="0">
-            <a:schemeClr val="accent1"/>
-          </a:effectRef>
-          <a:fontRef idx="minor">
-            <a:schemeClr val="lt1"/>
-          </a:fontRef>
-        </p:style>
-        <p:txBody>
-          <a:bodyPr rtlCol="0" anchor="ctr"/>
-          <a:lstStyle/>
-          <a:p>
-            <a:pPr algn="ctr"/>
-            <a:endParaRPr lang="zh-TW" altLang="en-US"/>
-          </a:p>
-        </p:txBody>
-      </p:sp>
-      <p:sp>
-        <p:nvSpPr>
-          <p:cNvPr id="8" name="橢圓 7"/>
-          <p:cNvSpPr/>
-          <p:nvPr/>
-        </p:nvSpPr>
-        <p:spPr>
-          <a:xfrm>
-            <a:off x="8127578" y="2719432"/>
-            <a:ext cx="343949" cy="343949"/>
-          </a:xfrm>
-          <a:prstGeom prst="ellipse">
-            <a:avLst/>
-          </a:prstGeom>
-        </p:spPr>
-        <p:style>
-          <a:lnRef idx="2">
-            <a:schemeClr val="accent2">
-              <a:shade val="50000"/>
-            </a:schemeClr>
-          </a:lnRef>
-          <a:fillRef idx="1">
-            <a:schemeClr val="accent2"/>
-          </a:fillRef>
-          <a:effectRef idx="0">
-            <a:schemeClr val="accent2"/>
-          </a:effectRef>
-          <a:fontRef idx="minor">
-            <a:schemeClr val="lt1"/>
-          </a:fontRef>
-        </p:style>
-        <p:txBody>
-          <a:bodyPr rtlCol="0" anchor="ctr"/>
-          <a:lstStyle/>
-          <a:p>
-            <a:pPr algn="ctr"/>
-            <a:endParaRPr lang="zh-TW" altLang="en-US"/>
-          </a:p>
-        </p:txBody>
-      </p:sp>
-      <p:sp>
-        <p:nvSpPr>
-          <p:cNvPr id="9" name="向右箭號 8"/>
-          <p:cNvSpPr/>
-          <p:nvPr/>
-        </p:nvSpPr>
-        <p:spPr>
-          <a:xfrm>
-            <a:off x="3934437" y="2164361"/>
-            <a:ext cx="3525667" cy="142612"/>
-          </a:xfrm>
-          <a:prstGeom prst="rightArrow">
-            <a:avLst/>
-          </a:prstGeom>
-        </p:spPr>
-        <p:style>
-          <a:lnRef idx="2">
-            <a:schemeClr val="accent1">
-              <a:shade val="50000"/>
-            </a:schemeClr>
-          </a:lnRef>
-          <a:fillRef idx="1">
-            <a:schemeClr val="accent1"/>
-          </a:fillRef>
-          <a:effectRef idx="0">
-            <a:schemeClr val="accent1"/>
-          </a:effectRef>
-          <a:fontRef idx="minor">
-            <a:schemeClr val="lt1"/>
-          </a:fontRef>
-        </p:style>
-        <p:txBody>
-          <a:bodyPr rtlCol="0" anchor="ctr"/>
-          <a:lstStyle/>
-          <a:p>
-            <a:pPr algn="ctr"/>
-            <a:endParaRPr lang="zh-TW" altLang="en-US" dirty="0"/>
-          </a:p>
-        </p:txBody>
-      </p:sp>
-      <p:sp>
-        <p:nvSpPr>
-          <p:cNvPr id="10" name="向右箭號 9"/>
-          <p:cNvSpPr/>
-          <p:nvPr/>
-        </p:nvSpPr>
-        <p:spPr>
-          <a:xfrm flipH="1">
-            <a:off x="4497048" y="2827939"/>
-            <a:ext cx="3547994" cy="166931"/>
-          </a:xfrm>
-          <a:prstGeom prst="rightArrow">
-            <a:avLst/>
-          </a:prstGeom>
-        </p:spPr>
-        <p:style>
-          <a:lnRef idx="2">
-            <a:schemeClr val="accent2">
-              <a:shade val="50000"/>
-            </a:schemeClr>
-          </a:lnRef>
-          <a:fillRef idx="1">
-            <a:schemeClr val="accent2"/>
-          </a:fillRef>
-          <a:effectRef idx="0">
-            <a:schemeClr val="accent2"/>
-          </a:effectRef>
-          <a:fontRef idx="minor">
-            <a:schemeClr val="lt1"/>
-          </a:fontRef>
-        </p:style>
-        <p:txBody>
-          <a:bodyPr rtlCol="0" anchor="ctr"/>
-          <a:lstStyle/>
-          <a:p>
-            <a:pPr algn="ctr"/>
-            <a:endParaRPr lang="zh-TW" altLang="en-US" dirty="0"/>
-          </a:p>
-        </p:txBody>
-      </p:sp>
-      <p:sp>
-        <p:nvSpPr>
-          <p:cNvPr id="11" name="文字方塊 10"/>
-          <p:cNvSpPr txBox="1"/>
-          <p:nvPr/>
-        </p:nvSpPr>
-        <p:spPr>
-          <a:xfrm>
-            <a:off x="4328719" y="1830532"/>
-            <a:ext cx="2546338" cy="369332"/>
-          </a:xfrm>
-          <a:prstGeom prst="rect">
-            <a:avLst/>
-          </a:prstGeom>
-          <a:noFill/>
-        </p:spPr>
-        <p:txBody>
-          <a:bodyPr wrap="none" rtlCol="0">
-            <a:spAutoFit/>
-          </a:bodyPr>
-          <a:lstStyle/>
-          <a:p>
-            <a:r>
-              <a:rPr lang="en-US" altLang="zh-TW" dirty="0" smtClean="0"/>
-              <a:t>Request for a Session key</a:t>
-            </a:r>
-            <a:endParaRPr lang="zh-TW" altLang="en-US" dirty="0"/>
-          </a:p>
-        </p:txBody>
-      </p:sp>
-      <p:sp>
-        <p:nvSpPr>
-          <p:cNvPr id="12" name="文字方塊 11"/>
-          <p:cNvSpPr txBox="1"/>
-          <p:nvPr/>
-        </p:nvSpPr>
-        <p:spPr>
-          <a:xfrm>
-            <a:off x="5110293" y="2522074"/>
-            <a:ext cx="2832699" cy="369332"/>
-          </a:xfrm>
-          <a:prstGeom prst="rect">
-            <a:avLst/>
-          </a:prstGeom>
-          <a:noFill/>
-        </p:spPr>
-        <p:txBody>
-          <a:bodyPr wrap="none" rtlCol="0">
-            <a:spAutoFit/>
-          </a:bodyPr>
-          <a:lstStyle/>
-          <a:p>
-            <a:r>
-              <a:rPr lang="en-US" altLang="zh-TW" dirty="0" smtClean="0"/>
-              <a:t>Response with a Session key</a:t>
-            </a:r>
-            <a:endParaRPr lang="zh-TW" altLang="en-US" dirty="0"/>
-          </a:p>
-        </p:txBody>
-      </p:sp>
-      <p:sp>
-        <p:nvSpPr>
-          <p:cNvPr id="13" name="文字方塊 12"/>
-          <p:cNvSpPr txBox="1"/>
-          <p:nvPr/>
-        </p:nvSpPr>
-        <p:spPr>
-          <a:xfrm>
-            <a:off x="0" y="83890"/>
-            <a:ext cx="1259832" cy="369332"/>
-          </a:xfrm>
-          <a:prstGeom prst="rect">
-            <a:avLst/>
-          </a:prstGeom>
-          <a:noFill/>
-        </p:spPr>
-        <p:txBody>
-          <a:bodyPr wrap="none" rtlCol="0">
-            <a:spAutoFit/>
-          </a:bodyPr>
-          <a:lstStyle/>
-          <a:p>
-            <a:r>
-              <a:rPr lang="en-US" altLang="zh-TW" dirty="0" smtClean="0"/>
-              <a:t>Unary RPCs</a:t>
-            </a:r>
-            <a:endParaRPr lang="zh-TW" altLang="en-US" dirty="0"/>
+          <p:cNvPr id="2" name="標題 1">
+            <a:extLst>
+              <a:ext uri="{FF2B5EF4-FFF2-40B4-BE49-F238E27FC236}">
+                <a16:creationId xmlns:a16="http://schemas.microsoft.com/office/drawing/2014/main" id="{622F24CB-715E-489C-B747-AD5B70BBBB4A}"/>
+              </a:ext>
+            </a:extLst>
+          </p:cNvPr>
+          <p:cNvSpPr>
+            <a:spLocks noGrp="1"/>
+          </p:cNvSpPr>
+          <p:nvPr>
+            <p:ph type="title"/>
+          </p:nvPr>
+        </p:nvSpPr>
+        <p:spPr/>
+        <p:txBody>
+          <a:bodyPr/>
+          <a:lstStyle/>
+          <a:p>
+            <a:r>
+              <a:rPr lang="en-US" dirty="0"/>
+              <a:t>gRPC Server methods</a:t>
+            </a:r>
           </a:p>
         </p:txBody>
       </p:sp>
     </p:spTree>
     <p:extLst>
       <p:ext uri="{BB962C8B-B14F-4D97-AF65-F5344CB8AC3E}">
-        <p14:creationId xmlns:p14="http://schemas.microsoft.com/office/powerpoint/2010/main" val="3185340589"/>
+        <p14:creationId xmlns:p14="http://schemas.microsoft.com/office/powerpoint/2010/main" val="3301842137"/>
       </p:ext>
     </p:extLst>
   </p:cSld>
@@ -3338,54 +3015,6 @@
       </p:grpSpPr>
       <p:sp>
         <p:nvSpPr>
-          <p:cNvPr id="2" name="矩形 1"/>
-          <p:cNvSpPr/>
-          <p:nvPr/>
-        </p:nvSpPr>
-        <p:spPr>
-          <a:xfrm>
-            <a:off x="4483159" y="2656752"/>
-            <a:ext cx="2988422" cy="2339679"/>
-          </a:xfrm>
-          <a:prstGeom prst="rect">
-            <a:avLst/>
-          </a:prstGeom>
-          <a:solidFill>
-            <a:schemeClr val="bg1">
-              <a:lumMod val="95000"/>
-            </a:schemeClr>
-          </a:solidFill>
-          <a:ln w="25400">
-            <a:prstDash val="sysDash"/>
-          </a:ln>
-        </p:spPr>
-        <p:style>
-          <a:lnRef idx="2">
-            <a:schemeClr val="accent3">
-              <a:shade val="50000"/>
-            </a:schemeClr>
-          </a:lnRef>
-          <a:fillRef idx="1">
-            <a:schemeClr val="accent3"/>
-          </a:fillRef>
-          <a:effectRef idx="0">
-            <a:schemeClr val="accent3"/>
-          </a:effectRef>
-          <a:fontRef idx="minor">
-            <a:schemeClr val="lt1"/>
-          </a:fontRef>
-        </p:style>
-        <p:txBody>
-          <a:bodyPr rtlCol="0" anchor="ctr"/>
-          <a:lstStyle/>
-          <a:p>
-            <a:pPr algn="ctr"/>
-            <a:endParaRPr lang="zh-TW" altLang="en-US"/>
-          </a:p>
-        </p:txBody>
-      </p:sp>
-      <p:sp>
-        <p:nvSpPr>
           <p:cNvPr id="4" name="圓角矩形 3"/>
           <p:cNvSpPr/>
           <p:nvPr/>
@@ -3421,7 +3050,7 @@
           <a:p>
             <a:pPr algn="ctr"/>
             <a:r>
-              <a:rPr lang="en-US" altLang="zh-TW" dirty="0" smtClean="0"/>
+              <a:rPr lang="en-US" altLang="zh-TW" dirty="0"/>
               <a:t>Client</a:t>
             </a:r>
             <a:endParaRPr lang="zh-TW" altLang="en-US" dirty="0"/>
@@ -3465,7 +3094,7 @@
           <a:p>
             <a:pPr algn="ctr"/>
             <a:r>
-              <a:rPr lang="en-US" altLang="zh-TW" dirty="0" smtClean="0"/>
+              <a:rPr lang="en-US" altLang="zh-TW" dirty="0"/>
               <a:t>Server</a:t>
             </a:r>
             <a:endParaRPr lang="zh-TW" altLang="en-US" dirty="0"/>
@@ -3520,7 +3149,7 @@
         </p:nvSpPr>
         <p:spPr>
           <a:xfrm>
-            <a:off x="8127578" y="3013047"/>
+            <a:off x="8127578" y="2719432"/>
             <a:ext cx="343949" cy="343949"/>
           </a:xfrm>
           <a:prstGeom prst="ellipse">
@@ -3600,7 +3229,7 @@
         </p:nvSpPr>
         <p:spPr>
           <a:xfrm flipH="1">
-            <a:off x="4497048" y="3121554"/>
+            <a:off x="4497048" y="2827939"/>
             <a:ext cx="3547994" cy="166931"/>
           </a:xfrm>
           <a:prstGeom prst="rightArrow">
@@ -3641,7 +3270,7 @@
         <p:spPr>
           <a:xfrm>
             <a:off x="4328719" y="1830532"/>
-            <a:ext cx="2552237" cy="369332"/>
+            <a:ext cx="2546338" cy="369332"/>
           </a:xfrm>
           <a:prstGeom prst="rect">
             <a:avLst/>
@@ -3655,8 +3284,8 @@
           <a:lstStyle/>
           <a:p>
             <a:r>
-              <a:rPr lang="en-US" altLang="zh-TW" dirty="0" smtClean="0"/>
-              <a:t>Request for multiple keys</a:t>
+              <a:rPr lang="en-US" altLang="zh-TW" dirty="0"/>
+              <a:t>Request for a Session key</a:t>
             </a:r>
             <a:endParaRPr lang="zh-TW" altLang="en-US" dirty="0"/>
           </a:p>
@@ -3670,8 +3299,8 @@
         </p:nvSpPr>
         <p:spPr>
           <a:xfrm>
-            <a:off x="5604837" y="2808387"/>
-            <a:ext cx="704808" cy="369332"/>
+            <a:off x="5110293" y="2522074"/>
+            <a:ext cx="2832699" cy="369332"/>
           </a:xfrm>
           <a:prstGeom prst="rect">
             <a:avLst/>
@@ -3686,11 +3315,7 @@
           <a:p>
             <a:r>
               <a:rPr lang="en-US" altLang="zh-TW" dirty="0"/>
-              <a:t>K</a:t>
-            </a:r>
-            <a:r>
-              <a:rPr lang="en-US" altLang="zh-TW" dirty="0" smtClean="0"/>
-              <a:t>ey A</a:t>
+              <a:t>Response with a Session key</a:t>
             </a:r>
             <a:endParaRPr lang="zh-TW" altLang="en-US" dirty="0"/>
           </a:p>
@@ -3704,8 +3329,8 @@
         </p:nvSpPr>
         <p:spPr>
           <a:xfrm>
-            <a:off x="0" y="83890"/>
-            <a:ext cx="2283702" cy="369332"/>
+            <a:off x="4328719" y="523560"/>
+            <a:ext cx="3362715" cy="369332"/>
           </a:xfrm>
           <a:prstGeom prst="rect">
             <a:avLst/>
@@ -3719,333 +3344,17 @@
           <a:lstStyle/>
           <a:p>
             <a:r>
-              <a:rPr lang="en-US" altLang="zh-TW" dirty="0" smtClean="0"/>
-              <a:t>Server streaming RPCs</a:t>
-            </a:r>
-            <a:endParaRPr lang="zh-TW" altLang="en-US" dirty="0"/>
-          </a:p>
-        </p:txBody>
-      </p:sp>
-      <p:sp>
-        <p:nvSpPr>
-          <p:cNvPr id="14" name="橢圓 13"/>
-          <p:cNvSpPr/>
-          <p:nvPr/>
-        </p:nvSpPr>
-        <p:spPr>
-          <a:xfrm>
-            <a:off x="8127578" y="3685673"/>
-            <a:ext cx="343949" cy="343949"/>
-          </a:xfrm>
-          <a:prstGeom prst="ellipse">
-            <a:avLst/>
-          </a:prstGeom>
-        </p:spPr>
-        <p:style>
-          <a:lnRef idx="2">
-            <a:schemeClr val="accent2">
-              <a:shade val="50000"/>
-            </a:schemeClr>
-          </a:lnRef>
-          <a:fillRef idx="1">
-            <a:schemeClr val="accent2"/>
-          </a:fillRef>
-          <a:effectRef idx="0">
-            <a:schemeClr val="accent2"/>
-          </a:effectRef>
-          <a:fontRef idx="minor">
-            <a:schemeClr val="lt1"/>
-          </a:fontRef>
-        </p:style>
-        <p:txBody>
-          <a:bodyPr rtlCol="0" anchor="ctr"/>
-          <a:lstStyle/>
-          <a:p>
-            <a:pPr algn="ctr"/>
-            <a:endParaRPr lang="zh-TW" altLang="en-US"/>
-          </a:p>
-        </p:txBody>
-      </p:sp>
-      <p:sp>
-        <p:nvSpPr>
-          <p:cNvPr id="15" name="向右箭號 14"/>
-          <p:cNvSpPr/>
-          <p:nvPr/>
-        </p:nvSpPr>
-        <p:spPr>
-          <a:xfrm flipH="1">
-            <a:off x="4497048" y="3794180"/>
-            <a:ext cx="3547994" cy="166931"/>
-          </a:xfrm>
-          <a:prstGeom prst="rightArrow">
-            <a:avLst/>
-          </a:prstGeom>
-        </p:spPr>
-        <p:style>
-          <a:lnRef idx="2">
-            <a:schemeClr val="accent2">
-              <a:shade val="50000"/>
-            </a:schemeClr>
-          </a:lnRef>
-          <a:fillRef idx="1">
-            <a:schemeClr val="accent2"/>
-          </a:fillRef>
-          <a:effectRef idx="0">
-            <a:schemeClr val="accent2"/>
-          </a:effectRef>
-          <a:fontRef idx="minor">
-            <a:schemeClr val="lt1"/>
-          </a:fontRef>
-        </p:style>
-        <p:txBody>
-          <a:bodyPr rtlCol="0" anchor="ctr"/>
-          <a:lstStyle/>
-          <a:p>
-            <a:pPr algn="ctr"/>
-            <a:endParaRPr lang="zh-TW" altLang="en-US" dirty="0"/>
-          </a:p>
-        </p:txBody>
-      </p:sp>
-      <p:sp>
-        <p:nvSpPr>
-          <p:cNvPr id="16" name="文字方塊 15"/>
-          <p:cNvSpPr txBox="1"/>
-          <p:nvPr/>
-        </p:nvSpPr>
-        <p:spPr>
-          <a:xfrm>
-            <a:off x="5628973" y="3488315"/>
-            <a:ext cx="696794" cy="369332"/>
-          </a:xfrm>
-          <a:prstGeom prst="rect">
-            <a:avLst/>
-          </a:prstGeom>
-          <a:noFill/>
-        </p:spPr>
-        <p:txBody>
-          <a:bodyPr wrap="none" rtlCol="0">
-            <a:spAutoFit/>
-          </a:bodyPr>
-          <a:lstStyle/>
-          <a:p>
-            <a:r>
-              <a:rPr lang="en-US" altLang="zh-TW" dirty="0"/>
-              <a:t>K</a:t>
-            </a:r>
-            <a:r>
-              <a:rPr lang="en-US" altLang="zh-TW" dirty="0" smtClean="0"/>
-              <a:t>ey B</a:t>
-            </a:r>
-            <a:endParaRPr lang="zh-TW" altLang="en-US" dirty="0"/>
-          </a:p>
-        </p:txBody>
-      </p:sp>
-      <p:sp>
-        <p:nvSpPr>
-          <p:cNvPr id="17" name="橢圓 16"/>
-          <p:cNvSpPr/>
-          <p:nvPr/>
-        </p:nvSpPr>
-        <p:spPr>
-          <a:xfrm>
-            <a:off x="8127578" y="4367620"/>
-            <a:ext cx="343949" cy="343949"/>
-          </a:xfrm>
-          <a:prstGeom prst="ellipse">
-            <a:avLst/>
-          </a:prstGeom>
-        </p:spPr>
-        <p:style>
-          <a:lnRef idx="2">
-            <a:schemeClr val="accent2">
-              <a:shade val="50000"/>
-            </a:schemeClr>
-          </a:lnRef>
-          <a:fillRef idx="1">
-            <a:schemeClr val="accent2"/>
-          </a:fillRef>
-          <a:effectRef idx="0">
-            <a:schemeClr val="accent2"/>
-          </a:effectRef>
-          <a:fontRef idx="minor">
-            <a:schemeClr val="lt1"/>
-          </a:fontRef>
-        </p:style>
-        <p:txBody>
-          <a:bodyPr rtlCol="0" anchor="ctr"/>
-          <a:lstStyle/>
-          <a:p>
-            <a:pPr algn="ctr"/>
-            <a:endParaRPr lang="zh-TW" altLang="en-US"/>
-          </a:p>
-        </p:txBody>
-      </p:sp>
-      <p:sp>
-        <p:nvSpPr>
-          <p:cNvPr id="18" name="向右箭號 17"/>
-          <p:cNvSpPr/>
-          <p:nvPr/>
-        </p:nvSpPr>
-        <p:spPr>
-          <a:xfrm flipH="1">
-            <a:off x="4497048" y="4476127"/>
-            <a:ext cx="3547994" cy="166931"/>
-          </a:xfrm>
-          <a:prstGeom prst="rightArrow">
-            <a:avLst/>
-          </a:prstGeom>
-        </p:spPr>
-        <p:style>
-          <a:lnRef idx="2">
-            <a:schemeClr val="accent2">
-              <a:shade val="50000"/>
-            </a:schemeClr>
-          </a:lnRef>
-          <a:fillRef idx="1">
-            <a:schemeClr val="accent2"/>
-          </a:fillRef>
-          <a:effectRef idx="0">
-            <a:schemeClr val="accent2"/>
-          </a:effectRef>
-          <a:fontRef idx="minor">
-            <a:schemeClr val="lt1"/>
-          </a:fontRef>
-        </p:style>
-        <p:txBody>
-          <a:bodyPr rtlCol="0" anchor="ctr"/>
-          <a:lstStyle/>
-          <a:p>
-            <a:pPr algn="ctr"/>
-            <a:endParaRPr lang="zh-TW" altLang="en-US" dirty="0"/>
-          </a:p>
-        </p:txBody>
-      </p:sp>
-      <p:sp>
-        <p:nvSpPr>
-          <p:cNvPr id="19" name="文字方塊 18"/>
-          <p:cNvSpPr txBox="1"/>
-          <p:nvPr/>
-        </p:nvSpPr>
-        <p:spPr>
-          <a:xfrm>
-            <a:off x="5630577" y="4178676"/>
-            <a:ext cx="695190" cy="369332"/>
-          </a:xfrm>
-          <a:prstGeom prst="rect">
-            <a:avLst/>
-          </a:prstGeom>
-          <a:noFill/>
-        </p:spPr>
-        <p:txBody>
-          <a:bodyPr wrap="none" rtlCol="0">
-            <a:spAutoFit/>
-          </a:bodyPr>
-          <a:lstStyle/>
-          <a:p>
-            <a:r>
-              <a:rPr lang="en-US" altLang="zh-TW" dirty="0"/>
-              <a:t>K</a:t>
-            </a:r>
-            <a:r>
-              <a:rPr lang="en-US" altLang="zh-TW" dirty="0" smtClean="0"/>
-              <a:t>ey </a:t>
-            </a:r>
-            <a:r>
-              <a:rPr lang="en-US" altLang="zh-TW" dirty="0"/>
-              <a:t>C</a:t>
-            </a:r>
-            <a:endParaRPr lang="zh-TW" altLang="en-US" dirty="0"/>
-          </a:p>
-        </p:txBody>
-      </p:sp>
-      <p:sp>
-        <p:nvSpPr>
-          <p:cNvPr id="3" name="向左箭號 2"/>
-          <p:cNvSpPr/>
-          <p:nvPr/>
-        </p:nvSpPr>
-        <p:spPr>
-          <a:xfrm>
-            <a:off x="3321223" y="3118207"/>
-            <a:ext cx="1158309" cy="1220051"/>
-          </a:xfrm>
-          <a:prstGeom prst="leftArrow">
-            <a:avLst/>
-          </a:prstGeom>
-          <a:solidFill>
-            <a:schemeClr val="bg1">
-              <a:lumMod val="95000"/>
-            </a:schemeClr>
-          </a:solidFill>
-          <a:ln w="25400">
-            <a:prstDash val="sysDot"/>
-          </a:ln>
-        </p:spPr>
-        <p:style>
-          <a:lnRef idx="2">
-            <a:schemeClr val="accent1">
-              <a:shade val="50000"/>
-            </a:schemeClr>
-          </a:lnRef>
-          <a:fillRef idx="1">
-            <a:schemeClr val="accent1"/>
-          </a:fillRef>
-          <a:effectRef idx="0">
-            <a:schemeClr val="accent1"/>
-          </a:effectRef>
-          <a:fontRef idx="minor">
-            <a:schemeClr val="lt1"/>
-          </a:fontRef>
-        </p:style>
-        <p:txBody>
-          <a:bodyPr rtlCol="0" anchor="ctr"/>
-          <a:lstStyle/>
-          <a:p>
-            <a:pPr algn="ctr"/>
-            <a:endParaRPr lang="zh-TW" altLang="en-US"/>
-          </a:p>
-        </p:txBody>
-      </p:sp>
-      <p:sp>
-        <p:nvSpPr>
-          <p:cNvPr id="6" name="文字方塊 5"/>
-          <p:cNvSpPr txBox="1"/>
-          <p:nvPr/>
-        </p:nvSpPr>
-        <p:spPr>
-          <a:xfrm>
-            <a:off x="3408588" y="3407946"/>
-            <a:ext cx="1081515" cy="646331"/>
-          </a:xfrm>
-          <a:prstGeom prst="rect">
-            <a:avLst/>
-          </a:prstGeom>
-          <a:noFill/>
-        </p:spPr>
-        <p:txBody>
-          <a:bodyPr wrap="none" rtlCol="0">
-            <a:spAutoFit/>
-          </a:bodyPr>
-          <a:lstStyle/>
-          <a:p>
-            <a:r>
-              <a:rPr lang="en-US" altLang="zh-TW" dirty="0" smtClean="0"/>
-              <a:t>Response</a:t>
-            </a:r>
-          </a:p>
-          <a:p>
-            <a:r>
-              <a:rPr lang="en-US" altLang="zh-TW" dirty="0" smtClean="0"/>
-              <a:t>Stream</a:t>
-            </a:r>
-            <a:endParaRPr lang="zh-TW" altLang="en-US" dirty="0"/>
+              <a:rPr lang="en-US" altLang="zh-TW" b="1" dirty="0"/>
+              <a:t>Unary RPC: Create symmetric key</a:t>
+            </a:r>
+            <a:endParaRPr lang="zh-TW" altLang="en-US" b="1" dirty="0"/>
           </a:p>
         </p:txBody>
       </p:sp>
     </p:spTree>
     <p:extLst>
       <p:ext uri="{BB962C8B-B14F-4D97-AF65-F5344CB8AC3E}">
-        <p14:creationId xmlns:p14="http://schemas.microsoft.com/office/powerpoint/2010/main" val="3911295125"/>
+        <p14:creationId xmlns:p14="http://schemas.microsoft.com/office/powerpoint/2010/main" val="3185340589"/>
       </p:ext>
     </p:extLst>
   </p:cSld>
@@ -4074,13 +3383,381 @@
       </p:grpSpPr>
       <p:sp>
         <p:nvSpPr>
+          <p:cNvPr id="4" name="圓角矩形 3"/>
+          <p:cNvSpPr/>
+          <p:nvPr/>
+        </p:nvSpPr>
+        <p:spPr>
+          <a:xfrm>
+            <a:off x="2818150" y="1229193"/>
+            <a:ext cx="1678898" cy="449705"/>
+          </a:xfrm>
+          <a:prstGeom prst="roundRect">
+            <a:avLst/>
+          </a:prstGeom>
+        </p:spPr>
+        <p:style>
+          <a:lnRef idx="2">
+            <a:schemeClr val="accent1">
+              <a:shade val="50000"/>
+            </a:schemeClr>
+          </a:lnRef>
+          <a:fillRef idx="1">
+            <a:schemeClr val="accent1"/>
+          </a:fillRef>
+          <a:effectRef idx="0">
+            <a:schemeClr val="accent1"/>
+          </a:effectRef>
+          <a:fontRef idx="minor">
+            <a:schemeClr val="lt1"/>
+          </a:fontRef>
+        </p:style>
+        <p:txBody>
+          <a:bodyPr rtlCol="0" anchor="ctr"/>
+          <a:lstStyle/>
+          <a:p>
+            <a:pPr algn="ctr"/>
+            <a:r>
+              <a:rPr lang="en-US" altLang="zh-TW" dirty="0"/>
+              <a:t>Client</a:t>
+            </a:r>
+            <a:endParaRPr lang="zh-TW" altLang="en-US" dirty="0"/>
+          </a:p>
+        </p:txBody>
+      </p:sp>
+      <p:sp>
+        <p:nvSpPr>
+          <p:cNvPr id="5" name="圓角矩形 4"/>
+          <p:cNvSpPr/>
+          <p:nvPr/>
+        </p:nvSpPr>
+        <p:spPr>
+          <a:xfrm>
+            <a:off x="7460104" y="1229192"/>
+            <a:ext cx="1678898" cy="449705"/>
+          </a:xfrm>
+          <a:prstGeom prst="roundRect">
+            <a:avLst/>
+          </a:prstGeom>
+        </p:spPr>
+        <p:style>
+          <a:lnRef idx="2">
+            <a:schemeClr val="accent2">
+              <a:shade val="50000"/>
+            </a:schemeClr>
+          </a:lnRef>
+          <a:fillRef idx="1">
+            <a:schemeClr val="accent2"/>
+          </a:fillRef>
+          <a:effectRef idx="0">
+            <a:schemeClr val="accent2"/>
+          </a:effectRef>
+          <a:fontRef idx="minor">
+            <a:schemeClr val="lt1"/>
+          </a:fontRef>
+        </p:style>
+        <p:txBody>
+          <a:bodyPr rtlCol="0" anchor="ctr"/>
+          <a:lstStyle/>
+          <a:p>
+            <a:pPr algn="ctr"/>
+            <a:r>
+              <a:rPr lang="en-US" altLang="zh-TW" dirty="0"/>
+              <a:t>Server</a:t>
+            </a:r>
+            <a:endParaRPr lang="zh-TW" altLang="en-US" dirty="0"/>
+          </a:p>
+        </p:txBody>
+      </p:sp>
+      <p:sp>
+        <p:nvSpPr>
+          <p:cNvPr id="7" name="橢圓 6"/>
+          <p:cNvSpPr/>
+          <p:nvPr/>
+        </p:nvSpPr>
+        <p:spPr>
+          <a:xfrm>
+            <a:off x="3481431" y="2072081"/>
+            <a:ext cx="343949" cy="343949"/>
+          </a:xfrm>
+          <a:prstGeom prst="ellipse">
+            <a:avLst/>
+          </a:prstGeom>
+        </p:spPr>
+        <p:style>
+          <a:lnRef idx="2">
+            <a:schemeClr val="accent1">
+              <a:shade val="50000"/>
+            </a:schemeClr>
+          </a:lnRef>
+          <a:fillRef idx="1">
+            <a:schemeClr val="accent1"/>
+          </a:fillRef>
+          <a:effectRef idx="0">
+            <a:schemeClr val="accent1"/>
+          </a:effectRef>
+          <a:fontRef idx="minor">
+            <a:schemeClr val="lt1"/>
+          </a:fontRef>
+        </p:style>
+        <p:txBody>
+          <a:bodyPr rtlCol="0" anchor="ctr"/>
+          <a:lstStyle/>
+          <a:p>
+            <a:pPr algn="ctr"/>
+            <a:endParaRPr lang="zh-TW" altLang="en-US"/>
+          </a:p>
+        </p:txBody>
+      </p:sp>
+      <p:sp>
+        <p:nvSpPr>
+          <p:cNvPr id="8" name="橢圓 7"/>
+          <p:cNvSpPr/>
+          <p:nvPr/>
+        </p:nvSpPr>
+        <p:spPr>
+          <a:xfrm>
+            <a:off x="8127578" y="2719432"/>
+            <a:ext cx="343949" cy="343949"/>
+          </a:xfrm>
+          <a:prstGeom prst="ellipse">
+            <a:avLst/>
+          </a:prstGeom>
+        </p:spPr>
+        <p:style>
+          <a:lnRef idx="2">
+            <a:schemeClr val="accent2">
+              <a:shade val="50000"/>
+            </a:schemeClr>
+          </a:lnRef>
+          <a:fillRef idx="1">
+            <a:schemeClr val="accent2"/>
+          </a:fillRef>
+          <a:effectRef idx="0">
+            <a:schemeClr val="accent2"/>
+          </a:effectRef>
+          <a:fontRef idx="minor">
+            <a:schemeClr val="lt1"/>
+          </a:fontRef>
+        </p:style>
+        <p:txBody>
+          <a:bodyPr rtlCol="0" anchor="ctr"/>
+          <a:lstStyle/>
+          <a:p>
+            <a:pPr algn="ctr"/>
+            <a:endParaRPr lang="zh-TW" altLang="en-US"/>
+          </a:p>
+        </p:txBody>
+      </p:sp>
+      <p:sp>
+        <p:nvSpPr>
+          <p:cNvPr id="9" name="向右箭號 8"/>
+          <p:cNvSpPr/>
+          <p:nvPr/>
+        </p:nvSpPr>
+        <p:spPr>
+          <a:xfrm>
+            <a:off x="3934437" y="2164361"/>
+            <a:ext cx="3525667" cy="142612"/>
+          </a:xfrm>
+          <a:prstGeom prst="rightArrow">
+            <a:avLst/>
+          </a:prstGeom>
+        </p:spPr>
+        <p:style>
+          <a:lnRef idx="2">
+            <a:schemeClr val="accent1">
+              <a:shade val="50000"/>
+            </a:schemeClr>
+          </a:lnRef>
+          <a:fillRef idx="1">
+            <a:schemeClr val="accent1"/>
+          </a:fillRef>
+          <a:effectRef idx="0">
+            <a:schemeClr val="accent1"/>
+          </a:effectRef>
+          <a:fontRef idx="minor">
+            <a:schemeClr val="lt1"/>
+          </a:fontRef>
+        </p:style>
+        <p:txBody>
+          <a:bodyPr rtlCol="0" anchor="ctr"/>
+          <a:lstStyle/>
+          <a:p>
+            <a:pPr algn="ctr"/>
+            <a:endParaRPr lang="zh-TW" altLang="en-US" dirty="0"/>
+          </a:p>
+        </p:txBody>
+      </p:sp>
+      <p:sp>
+        <p:nvSpPr>
+          <p:cNvPr id="10" name="向右箭號 9"/>
+          <p:cNvSpPr/>
+          <p:nvPr/>
+        </p:nvSpPr>
+        <p:spPr>
+          <a:xfrm flipH="1">
+            <a:off x="4497048" y="2827939"/>
+            <a:ext cx="3547994" cy="166931"/>
+          </a:xfrm>
+          <a:prstGeom prst="rightArrow">
+            <a:avLst/>
+          </a:prstGeom>
+        </p:spPr>
+        <p:style>
+          <a:lnRef idx="2">
+            <a:schemeClr val="accent2">
+              <a:shade val="50000"/>
+            </a:schemeClr>
+          </a:lnRef>
+          <a:fillRef idx="1">
+            <a:schemeClr val="accent2"/>
+          </a:fillRef>
+          <a:effectRef idx="0">
+            <a:schemeClr val="accent2"/>
+          </a:effectRef>
+          <a:fontRef idx="minor">
+            <a:schemeClr val="lt1"/>
+          </a:fontRef>
+        </p:style>
+        <p:txBody>
+          <a:bodyPr rtlCol="0" anchor="ctr"/>
+          <a:lstStyle/>
+          <a:p>
+            <a:pPr algn="ctr"/>
+            <a:endParaRPr lang="zh-TW" altLang="en-US" dirty="0"/>
+          </a:p>
+        </p:txBody>
+      </p:sp>
+      <p:sp>
+        <p:nvSpPr>
+          <p:cNvPr id="11" name="文字方塊 10"/>
+          <p:cNvSpPr txBox="1"/>
+          <p:nvPr/>
+        </p:nvSpPr>
+        <p:spPr>
+          <a:xfrm>
+            <a:off x="4328719" y="1830532"/>
+            <a:ext cx="1863459" cy="369332"/>
+          </a:xfrm>
+          <a:prstGeom prst="rect">
+            <a:avLst/>
+          </a:prstGeom>
+          <a:noFill/>
+        </p:spPr>
+        <p:txBody>
+          <a:bodyPr wrap="none" rtlCol="0">
+            <a:spAutoFit/>
+          </a:bodyPr>
+          <a:lstStyle/>
+          <a:p>
+            <a:r>
+              <a:rPr lang="en-US" altLang="zh-TW" dirty="0"/>
+              <a:t>Request for key(s)</a:t>
+            </a:r>
+            <a:endParaRPr lang="zh-TW" altLang="en-US" dirty="0"/>
+          </a:p>
+        </p:txBody>
+      </p:sp>
+      <p:sp>
+        <p:nvSpPr>
+          <p:cNvPr id="12" name="文字方塊 11"/>
+          <p:cNvSpPr txBox="1"/>
+          <p:nvPr/>
+        </p:nvSpPr>
+        <p:spPr>
+          <a:xfrm>
+            <a:off x="5310285" y="2467565"/>
+            <a:ext cx="2149819" cy="369332"/>
+          </a:xfrm>
+          <a:prstGeom prst="rect">
+            <a:avLst/>
+          </a:prstGeom>
+          <a:noFill/>
+        </p:spPr>
+        <p:txBody>
+          <a:bodyPr wrap="none" rtlCol="0">
+            <a:spAutoFit/>
+          </a:bodyPr>
+          <a:lstStyle/>
+          <a:p>
+            <a:r>
+              <a:rPr lang="en-US" altLang="zh-TW" dirty="0"/>
+              <a:t>Response with key(s)</a:t>
+            </a:r>
+            <a:endParaRPr lang="zh-TW" altLang="en-US" dirty="0"/>
+          </a:p>
+        </p:txBody>
+      </p:sp>
+      <p:sp>
+        <p:nvSpPr>
+          <p:cNvPr id="13" name="文字方塊 12"/>
+          <p:cNvSpPr txBox="1"/>
+          <p:nvPr/>
+        </p:nvSpPr>
+        <p:spPr>
+          <a:xfrm>
+            <a:off x="3041340" y="559062"/>
+            <a:ext cx="5940472" cy="369332"/>
+          </a:xfrm>
+          <a:prstGeom prst="rect">
+            <a:avLst/>
+          </a:prstGeom>
+          <a:noFill/>
+        </p:spPr>
+        <p:txBody>
+          <a:bodyPr wrap="none" rtlCol="0">
+            <a:spAutoFit/>
+          </a:bodyPr>
+          <a:lstStyle/>
+          <a:p>
+            <a:r>
+              <a:rPr lang="en-US" altLang="zh-TW" b="1" dirty="0"/>
+              <a:t>Unary RPC: Create single asymmetric key, Get shared secrets</a:t>
+            </a:r>
+            <a:endParaRPr lang="zh-TW" altLang="en-US" b="1" dirty="0"/>
+          </a:p>
+        </p:txBody>
+      </p:sp>
+    </p:spTree>
+    <p:extLst>
+      <p:ext uri="{BB962C8B-B14F-4D97-AF65-F5344CB8AC3E}">
+        <p14:creationId xmlns:p14="http://schemas.microsoft.com/office/powerpoint/2010/main" val="1636839875"/>
+      </p:ext>
+    </p:extLst>
+  </p:cSld>
+  <p:clrMapOvr>
+    <a:masterClrMapping/>
+  </p:clrMapOvr>
+</p:sld>
+</file>
+
+<file path=ppt/slides/slide4.xml><?xml version="1.0" encoding="utf-8"?>
+<p:sld xmlns:a="http://schemas.openxmlformats.org/drawingml/2006/main" xmlns:r="http://schemas.openxmlformats.org/officeDocument/2006/relationships" xmlns:p="http://schemas.openxmlformats.org/presentationml/2006/main">
+  <p:cSld>
+    <p:spTree>
+      <p:nvGrpSpPr>
+        <p:cNvPr id="1" name=""/>
+        <p:cNvGrpSpPr/>
+        <p:nvPr/>
+      </p:nvGrpSpPr>
+      <p:grpSpPr>
+        <a:xfrm>
+          <a:off x="0" y="0"/>
+          <a:ext cx="0" cy="0"/>
+          <a:chOff x="0" y="0"/>
+          <a:chExt cx="0" cy="0"/>
+        </a:xfrm>
+      </p:grpSpPr>
+      <p:sp>
+        <p:nvSpPr>
           <p:cNvPr id="2" name="矩形 1"/>
           <p:cNvSpPr/>
           <p:nvPr/>
         </p:nvSpPr>
         <p:spPr>
           <a:xfrm>
-            <a:off x="4483159" y="1923327"/>
+            <a:off x="4483159" y="2656752"/>
             <a:ext cx="2988422" cy="2339679"/>
           </a:xfrm>
           <a:prstGeom prst="rect">
@@ -4157,7 +3834,7 @@
           <a:p>
             <a:pPr algn="ctr"/>
             <a:r>
-              <a:rPr lang="en-US" altLang="zh-TW" dirty="0" smtClean="0"/>
+              <a:rPr lang="en-US" altLang="zh-TW" dirty="0"/>
               <a:t>Client</a:t>
             </a:r>
             <a:endParaRPr lang="zh-TW" altLang="en-US" dirty="0"/>
@@ -4201,7 +3878,727 @@
           <a:p>
             <a:pPr algn="ctr"/>
             <a:r>
-              <a:rPr lang="en-US" altLang="zh-TW" dirty="0" smtClean="0"/>
+              <a:rPr lang="en-US" altLang="zh-TW" dirty="0"/>
+              <a:t>Server</a:t>
+            </a:r>
+            <a:endParaRPr lang="zh-TW" altLang="en-US" dirty="0"/>
+          </a:p>
+        </p:txBody>
+      </p:sp>
+      <p:sp>
+        <p:nvSpPr>
+          <p:cNvPr id="7" name="橢圓 6"/>
+          <p:cNvSpPr/>
+          <p:nvPr/>
+        </p:nvSpPr>
+        <p:spPr>
+          <a:xfrm>
+            <a:off x="3481431" y="2072081"/>
+            <a:ext cx="343949" cy="343949"/>
+          </a:xfrm>
+          <a:prstGeom prst="ellipse">
+            <a:avLst/>
+          </a:prstGeom>
+        </p:spPr>
+        <p:style>
+          <a:lnRef idx="2">
+            <a:schemeClr val="accent1">
+              <a:shade val="50000"/>
+            </a:schemeClr>
+          </a:lnRef>
+          <a:fillRef idx="1">
+            <a:schemeClr val="accent1"/>
+          </a:fillRef>
+          <a:effectRef idx="0">
+            <a:schemeClr val="accent1"/>
+          </a:effectRef>
+          <a:fontRef idx="minor">
+            <a:schemeClr val="lt1"/>
+          </a:fontRef>
+        </p:style>
+        <p:txBody>
+          <a:bodyPr rtlCol="0" anchor="ctr"/>
+          <a:lstStyle/>
+          <a:p>
+            <a:pPr algn="ctr"/>
+            <a:endParaRPr lang="zh-TW" altLang="en-US"/>
+          </a:p>
+        </p:txBody>
+      </p:sp>
+      <p:sp>
+        <p:nvSpPr>
+          <p:cNvPr id="8" name="橢圓 7"/>
+          <p:cNvSpPr/>
+          <p:nvPr/>
+        </p:nvSpPr>
+        <p:spPr>
+          <a:xfrm>
+            <a:off x="8127578" y="3013047"/>
+            <a:ext cx="343949" cy="343949"/>
+          </a:xfrm>
+          <a:prstGeom prst="ellipse">
+            <a:avLst/>
+          </a:prstGeom>
+        </p:spPr>
+        <p:style>
+          <a:lnRef idx="2">
+            <a:schemeClr val="accent2">
+              <a:shade val="50000"/>
+            </a:schemeClr>
+          </a:lnRef>
+          <a:fillRef idx="1">
+            <a:schemeClr val="accent2"/>
+          </a:fillRef>
+          <a:effectRef idx="0">
+            <a:schemeClr val="accent2"/>
+          </a:effectRef>
+          <a:fontRef idx="minor">
+            <a:schemeClr val="lt1"/>
+          </a:fontRef>
+        </p:style>
+        <p:txBody>
+          <a:bodyPr rtlCol="0" anchor="ctr"/>
+          <a:lstStyle/>
+          <a:p>
+            <a:pPr algn="ctr"/>
+            <a:endParaRPr lang="zh-TW" altLang="en-US"/>
+          </a:p>
+        </p:txBody>
+      </p:sp>
+      <p:sp>
+        <p:nvSpPr>
+          <p:cNvPr id="9" name="向右箭號 8"/>
+          <p:cNvSpPr/>
+          <p:nvPr/>
+        </p:nvSpPr>
+        <p:spPr>
+          <a:xfrm>
+            <a:off x="3934437" y="2164361"/>
+            <a:ext cx="3525667" cy="142612"/>
+          </a:xfrm>
+          <a:prstGeom prst="rightArrow">
+            <a:avLst/>
+          </a:prstGeom>
+        </p:spPr>
+        <p:style>
+          <a:lnRef idx="2">
+            <a:schemeClr val="accent1">
+              <a:shade val="50000"/>
+            </a:schemeClr>
+          </a:lnRef>
+          <a:fillRef idx="1">
+            <a:schemeClr val="accent1"/>
+          </a:fillRef>
+          <a:effectRef idx="0">
+            <a:schemeClr val="accent1"/>
+          </a:effectRef>
+          <a:fontRef idx="minor">
+            <a:schemeClr val="lt1"/>
+          </a:fontRef>
+        </p:style>
+        <p:txBody>
+          <a:bodyPr rtlCol="0" anchor="ctr"/>
+          <a:lstStyle/>
+          <a:p>
+            <a:pPr algn="ctr"/>
+            <a:endParaRPr lang="zh-TW" altLang="en-US" dirty="0"/>
+          </a:p>
+        </p:txBody>
+      </p:sp>
+      <p:sp>
+        <p:nvSpPr>
+          <p:cNvPr id="10" name="向右箭號 9"/>
+          <p:cNvSpPr/>
+          <p:nvPr/>
+        </p:nvSpPr>
+        <p:spPr>
+          <a:xfrm flipH="1">
+            <a:off x="4497048" y="3121554"/>
+            <a:ext cx="3547994" cy="166931"/>
+          </a:xfrm>
+          <a:prstGeom prst="rightArrow">
+            <a:avLst/>
+          </a:prstGeom>
+        </p:spPr>
+        <p:style>
+          <a:lnRef idx="2">
+            <a:schemeClr val="accent2">
+              <a:shade val="50000"/>
+            </a:schemeClr>
+          </a:lnRef>
+          <a:fillRef idx="1">
+            <a:schemeClr val="accent2"/>
+          </a:fillRef>
+          <a:effectRef idx="0">
+            <a:schemeClr val="accent2"/>
+          </a:effectRef>
+          <a:fontRef idx="minor">
+            <a:schemeClr val="lt1"/>
+          </a:fontRef>
+        </p:style>
+        <p:txBody>
+          <a:bodyPr rtlCol="0" anchor="ctr"/>
+          <a:lstStyle/>
+          <a:p>
+            <a:pPr algn="ctr"/>
+            <a:endParaRPr lang="zh-TW" altLang="en-US" dirty="0"/>
+          </a:p>
+        </p:txBody>
+      </p:sp>
+      <p:sp>
+        <p:nvSpPr>
+          <p:cNvPr id="11" name="文字方塊 10"/>
+          <p:cNvSpPr txBox="1"/>
+          <p:nvPr/>
+        </p:nvSpPr>
+        <p:spPr>
+          <a:xfrm>
+            <a:off x="4328719" y="1830532"/>
+            <a:ext cx="2552237" cy="369332"/>
+          </a:xfrm>
+          <a:prstGeom prst="rect">
+            <a:avLst/>
+          </a:prstGeom>
+          <a:noFill/>
+        </p:spPr>
+        <p:txBody>
+          <a:bodyPr wrap="none" rtlCol="0">
+            <a:spAutoFit/>
+          </a:bodyPr>
+          <a:lstStyle/>
+          <a:p>
+            <a:r>
+              <a:rPr lang="en-US" altLang="zh-TW" dirty="0"/>
+              <a:t>Request for multiple keys</a:t>
+            </a:r>
+            <a:endParaRPr lang="zh-TW" altLang="en-US" dirty="0"/>
+          </a:p>
+        </p:txBody>
+      </p:sp>
+      <p:sp>
+        <p:nvSpPr>
+          <p:cNvPr id="12" name="文字方塊 11"/>
+          <p:cNvSpPr txBox="1"/>
+          <p:nvPr/>
+        </p:nvSpPr>
+        <p:spPr>
+          <a:xfrm>
+            <a:off x="5604837" y="2808387"/>
+            <a:ext cx="704808" cy="369332"/>
+          </a:xfrm>
+          <a:prstGeom prst="rect">
+            <a:avLst/>
+          </a:prstGeom>
+          <a:noFill/>
+        </p:spPr>
+        <p:txBody>
+          <a:bodyPr wrap="none" rtlCol="0">
+            <a:spAutoFit/>
+          </a:bodyPr>
+          <a:lstStyle/>
+          <a:p>
+            <a:r>
+              <a:rPr lang="en-US" altLang="zh-TW" dirty="0"/>
+              <a:t>Key A</a:t>
+            </a:r>
+            <a:endParaRPr lang="zh-TW" altLang="en-US" dirty="0"/>
+          </a:p>
+        </p:txBody>
+      </p:sp>
+      <p:sp>
+        <p:nvSpPr>
+          <p:cNvPr id="13" name="文字方塊 12"/>
+          <p:cNvSpPr txBox="1"/>
+          <p:nvPr/>
+        </p:nvSpPr>
+        <p:spPr>
+          <a:xfrm>
+            <a:off x="3019674" y="617128"/>
+            <a:ext cx="6086731" cy="369332"/>
+          </a:xfrm>
+          <a:prstGeom prst="rect">
+            <a:avLst/>
+          </a:prstGeom>
+          <a:noFill/>
+        </p:spPr>
+        <p:txBody>
+          <a:bodyPr wrap="none" rtlCol="0">
+            <a:spAutoFit/>
+          </a:bodyPr>
+          <a:lstStyle/>
+          <a:p>
+            <a:r>
+              <a:rPr lang="en-US" altLang="zh-TW" b="1" dirty="0"/>
+              <a:t>Server streaming RPCs: Create Shared Secrets, Get Public Keys</a:t>
+            </a:r>
+            <a:endParaRPr lang="zh-TW" altLang="en-US" b="1" dirty="0"/>
+          </a:p>
+        </p:txBody>
+      </p:sp>
+      <p:sp>
+        <p:nvSpPr>
+          <p:cNvPr id="14" name="橢圓 13"/>
+          <p:cNvSpPr/>
+          <p:nvPr/>
+        </p:nvSpPr>
+        <p:spPr>
+          <a:xfrm>
+            <a:off x="8127578" y="3685673"/>
+            <a:ext cx="343949" cy="343949"/>
+          </a:xfrm>
+          <a:prstGeom prst="ellipse">
+            <a:avLst/>
+          </a:prstGeom>
+        </p:spPr>
+        <p:style>
+          <a:lnRef idx="2">
+            <a:schemeClr val="accent2">
+              <a:shade val="50000"/>
+            </a:schemeClr>
+          </a:lnRef>
+          <a:fillRef idx="1">
+            <a:schemeClr val="accent2"/>
+          </a:fillRef>
+          <a:effectRef idx="0">
+            <a:schemeClr val="accent2"/>
+          </a:effectRef>
+          <a:fontRef idx="minor">
+            <a:schemeClr val="lt1"/>
+          </a:fontRef>
+        </p:style>
+        <p:txBody>
+          <a:bodyPr rtlCol="0" anchor="ctr"/>
+          <a:lstStyle/>
+          <a:p>
+            <a:pPr algn="ctr"/>
+            <a:endParaRPr lang="zh-TW" altLang="en-US"/>
+          </a:p>
+        </p:txBody>
+      </p:sp>
+      <p:sp>
+        <p:nvSpPr>
+          <p:cNvPr id="15" name="向右箭號 14"/>
+          <p:cNvSpPr/>
+          <p:nvPr/>
+        </p:nvSpPr>
+        <p:spPr>
+          <a:xfrm flipH="1">
+            <a:off x="4497048" y="3794180"/>
+            <a:ext cx="3547994" cy="166931"/>
+          </a:xfrm>
+          <a:prstGeom prst="rightArrow">
+            <a:avLst/>
+          </a:prstGeom>
+        </p:spPr>
+        <p:style>
+          <a:lnRef idx="2">
+            <a:schemeClr val="accent2">
+              <a:shade val="50000"/>
+            </a:schemeClr>
+          </a:lnRef>
+          <a:fillRef idx="1">
+            <a:schemeClr val="accent2"/>
+          </a:fillRef>
+          <a:effectRef idx="0">
+            <a:schemeClr val="accent2"/>
+          </a:effectRef>
+          <a:fontRef idx="minor">
+            <a:schemeClr val="lt1"/>
+          </a:fontRef>
+        </p:style>
+        <p:txBody>
+          <a:bodyPr rtlCol="0" anchor="ctr"/>
+          <a:lstStyle/>
+          <a:p>
+            <a:pPr algn="ctr"/>
+            <a:endParaRPr lang="zh-TW" altLang="en-US" dirty="0"/>
+          </a:p>
+        </p:txBody>
+      </p:sp>
+      <p:sp>
+        <p:nvSpPr>
+          <p:cNvPr id="16" name="文字方塊 15"/>
+          <p:cNvSpPr txBox="1"/>
+          <p:nvPr/>
+        </p:nvSpPr>
+        <p:spPr>
+          <a:xfrm>
+            <a:off x="5628973" y="3488315"/>
+            <a:ext cx="696794" cy="369332"/>
+          </a:xfrm>
+          <a:prstGeom prst="rect">
+            <a:avLst/>
+          </a:prstGeom>
+          <a:noFill/>
+        </p:spPr>
+        <p:txBody>
+          <a:bodyPr wrap="none" rtlCol="0">
+            <a:spAutoFit/>
+          </a:bodyPr>
+          <a:lstStyle/>
+          <a:p>
+            <a:r>
+              <a:rPr lang="en-US" altLang="zh-TW" dirty="0"/>
+              <a:t>Key B</a:t>
+            </a:r>
+            <a:endParaRPr lang="zh-TW" altLang="en-US" dirty="0"/>
+          </a:p>
+        </p:txBody>
+      </p:sp>
+      <p:sp>
+        <p:nvSpPr>
+          <p:cNvPr id="17" name="橢圓 16"/>
+          <p:cNvSpPr/>
+          <p:nvPr/>
+        </p:nvSpPr>
+        <p:spPr>
+          <a:xfrm>
+            <a:off x="8127578" y="4367620"/>
+            <a:ext cx="343949" cy="343949"/>
+          </a:xfrm>
+          <a:prstGeom prst="ellipse">
+            <a:avLst/>
+          </a:prstGeom>
+        </p:spPr>
+        <p:style>
+          <a:lnRef idx="2">
+            <a:schemeClr val="accent2">
+              <a:shade val="50000"/>
+            </a:schemeClr>
+          </a:lnRef>
+          <a:fillRef idx="1">
+            <a:schemeClr val="accent2"/>
+          </a:fillRef>
+          <a:effectRef idx="0">
+            <a:schemeClr val="accent2"/>
+          </a:effectRef>
+          <a:fontRef idx="minor">
+            <a:schemeClr val="lt1"/>
+          </a:fontRef>
+        </p:style>
+        <p:txBody>
+          <a:bodyPr rtlCol="0" anchor="ctr"/>
+          <a:lstStyle/>
+          <a:p>
+            <a:pPr algn="ctr"/>
+            <a:endParaRPr lang="zh-TW" altLang="en-US"/>
+          </a:p>
+        </p:txBody>
+      </p:sp>
+      <p:sp>
+        <p:nvSpPr>
+          <p:cNvPr id="18" name="向右箭號 17"/>
+          <p:cNvSpPr/>
+          <p:nvPr/>
+        </p:nvSpPr>
+        <p:spPr>
+          <a:xfrm flipH="1">
+            <a:off x="4497048" y="4476127"/>
+            <a:ext cx="3547994" cy="166931"/>
+          </a:xfrm>
+          <a:prstGeom prst="rightArrow">
+            <a:avLst/>
+          </a:prstGeom>
+        </p:spPr>
+        <p:style>
+          <a:lnRef idx="2">
+            <a:schemeClr val="accent2">
+              <a:shade val="50000"/>
+            </a:schemeClr>
+          </a:lnRef>
+          <a:fillRef idx="1">
+            <a:schemeClr val="accent2"/>
+          </a:fillRef>
+          <a:effectRef idx="0">
+            <a:schemeClr val="accent2"/>
+          </a:effectRef>
+          <a:fontRef idx="minor">
+            <a:schemeClr val="lt1"/>
+          </a:fontRef>
+        </p:style>
+        <p:txBody>
+          <a:bodyPr rtlCol="0" anchor="ctr"/>
+          <a:lstStyle/>
+          <a:p>
+            <a:pPr algn="ctr"/>
+            <a:endParaRPr lang="zh-TW" altLang="en-US" dirty="0"/>
+          </a:p>
+        </p:txBody>
+      </p:sp>
+      <p:sp>
+        <p:nvSpPr>
+          <p:cNvPr id="19" name="文字方塊 18"/>
+          <p:cNvSpPr txBox="1"/>
+          <p:nvPr/>
+        </p:nvSpPr>
+        <p:spPr>
+          <a:xfrm>
+            <a:off x="5630577" y="4178676"/>
+            <a:ext cx="695190" cy="369332"/>
+          </a:xfrm>
+          <a:prstGeom prst="rect">
+            <a:avLst/>
+          </a:prstGeom>
+          <a:noFill/>
+        </p:spPr>
+        <p:txBody>
+          <a:bodyPr wrap="none" rtlCol="0">
+            <a:spAutoFit/>
+          </a:bodyPr>
+          <a:lstStyle/>
+          <a:p>
+            <a:r>
+              <a:rPr lang="en-US" altLang="zh-TW" dirty="0"/>
+              <a:t>Key C</a:t>
+            </a:r>
+            <a:endParaRPr lang="zh-TW" altLang="en-US" dirty="0"/>
+          </a:p>
+        </p:txBody>
+      </p:sp>
+      <p:sp>
+        <p:nvSpPr>
+          <p:cNvPr id="3" name="向左箭號 2"/>
+          <p:cNvSpPr/>
+          <p:nvPr/>
+        </p:nvSpPr>
+        <p:spPr>
+          <a:xfrm>
+            <a:off x="3321223" y="3118207"/>
+            <a:ext cx="1158309" cy="1220051"/>
+          </a:xfrm>
+          <a:prstGeom prst="leftArrow">
+            <a:avLst/>
+          </a:prstGeom>
+          <a:solidFill>
+            <a:schemeClr val="bg1">
+              <a:lumMod val="95000"/>
+            </a:schemeClr>
+          </a:solidFill>
+          <a:ln w="25400">
+            <a:prstDash val="sysDot"/>
+          </a:ln>
+        </p:spPr>
+        <p:style>
+          <a:lnRef idx="2">
+            <a:schemeClr val="accent1">
+              <a:shade val="50000"/>
+            </a:schemeClr>
+          </a:lnRef>
+          <a:fillRef idx="1">
+            <a:schemeClr val="accent1"/>
+          </a:fillRef>
+          <a:effectRef idx="0">
+            <a:schemeClr val="accent1"/>
+          </a:effectRef>
+          <a:fontRef idx="minor">
+            <a:schemeClr val="lt1"/>
+          </a:fontRef>
+        </p:style>
+        <p:txBody>
+          <a:bodyPr rtlCol="0" anchor="ctr"/>
+          <a:lstStyle/>
+          <a:p>
+            <a:pPr algn="ctr"/>
+            <a:endParaRPr lang="zh-TW" altLang="en-US"/>
+          </a:p>
+        </p:txBody>
+      </p:sp>
+      <p:sp>
+        <p:nvSpPr>
+          <p:cNvPr id="6" name="文字方塊 5"/>
+          <p:cNvSpPr txBox="1"/>
+          <p:nvPr/>
+        </p:nvSpPr>
+        <p:spPr>
+          <a:xfrm>
+            <a:off x="3408588" y="3407946"/>
+            <a:ext cx="1081515" cy="646331"/>
+          </a:xfrm>
+          <a:prstGeom prst="rect">
+            <a:avLst/>
+          </a:prstGeom>
+          <a:noFill/>
+        </p:spPr>
+        <p:txBody>
+          <a:bodyPr wrap="none" rtlCol="0">
+            <a:spAutoFit/>
+          </a:bodyPr>
+          <a:lstStyle/>
+          <a:p>
+            <a:r>
+              <a:rPr lang="en-US" altLang="zh-TW" dirty="0"/>
+              <a:t>Response</a:t>
+            </a:r>
+          </a:p>
+          <a:p>
+            <a:r>
+              <a:rPr lang="en-US" altLang="zh-TW" dirty="0"/>
+              <a:t>Stream</a:t>
+            </a:r>
+            <a:endParaRPr lang="zh-TW" altLang="en-US" dirty="0"/>
+          </a:p>
+        </p:txBody>
+      </p:sp>
+    </p:spTree>
+    <p:extLst>
+      <p:ext uri="{BB962C8B-B14F-4D97-AF65-F5344CB8AC3E}">
+        <p14:creationId xmlns:p14="http://schemas.microsoft.com/office/powerpoint/2010/main" val="3911295125"/>
+      </p:ext>
+    </p:extLst>
+  </p:cSld>
+  <p:clrMapOvr>
+    <a:masterClrMapping/>
+  </p:clrMapOvr>
+</p:sld>
+</file>
+
+<file path=ppt/slides/slide5.xml><?xml version="1.0" encoding="utf-8"?>
+<p:sld xmlns:a="http://schemas.openxmlformats.org/drawingml/2006/main" xmlns:r="http://schemas.openxmlformats.org/officeDocument/2006/relationships" xmlns:p="http://schemas.openxmlformats.org/presentationml/2006/main">
+  <p:cSld>
+    <p:spTree>
+      <p:nvGrpSpPr>
+        <p:cNvPr id="1" name=""/>
+        <p:cNvGrpSpPr/>
+        <p:nvPr/>
+      </p:nvGrpSpPr>
+      <p:grpSpPr>
+        <a:xfrm>
+          <a:off x="0" y="0"/>
+          <a:ext cx="0" cy="0"/>
+          <a:chOff x="0" y="0"/>
+          <a:chExt cx="0" cy="0"/>
+        </a:xfrm>
+      </p:grpSpPr>
+      <p:sp>
+        <p:nvSpPr>
+          <p:cNvPr id="2" name="矩形 1"/>
+          <p:cNvSpPr/>
+          <p:nvPr/>
+        </p:nvSpPr>
+        <p:spPr>
+          <a:xfrm>
+            <a:off x="4483159" y="1923327"/>
+            <a:ext cx="2988422" cy="2339679"/>
+          </a:xfrm>
+          <a:prstGeom prst="rect">
+            <a:avLst/>
+          </a:prstGeom>
+          <a:solidFill>
+            <a:schemeClr val="bg1">
+              <a:lumMod val="95000"/>
+            </a:schemeClr>
+          </a:solidFill>
+          <a:ln w="25400">
+            <a:prstDash val="sysDash"/>
+          </a:ln>
+        </p:spPr>
+        <p:style>
+          <a:lnRef idx="2">
+            <a:schemeClr val="accent3">
+              <a:shade val="50000"/>
+            </a:schemeClr>
+          </a:lnRef>
+          <a:fillRef idx="1">
+            <a:schemeClr val="accent3"/>
+          </a:fillRef>
+          <a:effectRef idx="0">
+            <a:schemeClr val="accent3"/>
+          </a:effectRef>
+          <a:fontRef idx="minor">
+            <a:schemeClr val="lt1"/>
+          </a:fontRef>
+        </p:style>
+        <p:txBody>
+          <a:bodyPr rtlCol="0" anchor="ctr"/>
+          <a:lstStyle/>
+          <a:p>
+            <a:pPr algn="ctr"/>
+            <a:endParaRPr lang="zh-TW" altLang="en-US"/>
+          </a:p>
+        </p:txBody>
+      </p:sp>
+      <p:sp>
+        <p:nvSpPr>
+          <p:cNvPr id="4" name="圓角矩形 3"/>
+          <p:cNvSpPr/>
+          <p:nvPr/>
+        </p:nvSpPr>
+        <p:spPr>
+          <a:xfrm>
+            <a:off x="2818150" y="1229193"/>
+            <a:ext cx="1678898" cy="449705"/>
+          </a:xfrm>
+          <a:prstGeom prst="roundRect">
+            <a:avLst/>
+          </a:prstGeom>
+        </p:spPr>
+        <p:style>
+          <a:lnRef idx="2">
+            <a:schemeClr val="accent1">
+              <a:shade val="50000"/>
+            </a:schemeClr>
+          </a:lnRef>
+          <a:fillRef idx="1">
+            <a:schemeClr val="accent1"/>
+          </a:fillRef>
+          <a:effectRef idx="0">
+            <a:schemeClr val="accent1"/>
+          </a:effectRef>
+          <a:fontRef idx="minor">
+            <a:schemeClr val="lt1"/>
+          </a:fontRef>
+        </p:style>
+        <p:txBody>
+          <a:bodyPr rtlCol="0" anchor="ctr"/>
+          <a:lstStyle/>
+          <a:p>
+            <a:pPr algn="ctr"/>
+            <a:r>
+              <a:rPr lang="en-US" altLang="zh-TW" dirty="0"/>
+              <a:t>Client</a:t>
+            </a:r>
+            <a:endParaRPr lang="zh-TW" altLang="en-US" dirty="0"/>
+          </a:p>
+        </p:txBody>
+      </p:sp>
+      <p:sp>
+        <p:nvSpPr>
+          <p:cNvPr id="5" name="圓角矩形 4"/>
+          <p:cNvSpPr/>
+          <p:nvPr/>
+        </p:nvSpPr>
+        <p:spPr>
+          <a:xfrm>
+            <a:off x="7460104" y="1229192"/>
+            <a:ext cx="1678898" cy="449705"/>
+          </a:xfrm>
+          <a:prstGeom prst="roundRect">
+            <a:avLst/>
+          </a:prstGeom>
+        </p:spPr>
+        <p:style>
+          <a:lnRef idx="2">
+            <a:schemeClr val="accent2">
+              <a:shade val="50000"/>
+            </a:schemeClr>
+          </a:lnRef>
+          <a:fillRef idx="1">
+            <a:schemeClr val="accent2"/>
+          </a:fillRef>
+          <a:effectRef idx="0">
+            <a:schemeClr val="accent2"/>
+          </a:effectRef>
+          <a:fontRef idx="minor">
+            <a:schemeClr val="lt1"/>
+          </a:fontRef>
+        </p:style>
+        <p:txBody>
+          <a:bodyPr rtlCol="0" anchor="ctr"/>
+          <a:lstStyle/>
+          <a:p>
+            <a:pPr algn="ctr"/>
+            <a:r>
+              <a:rPr lang="en-US" altLang="zh-TW" dirty="0"/>
               <a:t>Server</a:t>
             </a:r>
             <a:endParaRPr lang="zh-TW" altLang="en-US" dirty="0"/>
@@ -4405,7 +4802,7 @@
             <a:lstStyle/>
             <a:p>
               <a:r>
-                <a:rPr lang="en-US" altLang="zh-TW" dirty="0" smtClean="0"/>
+                <a:rPr lang="en-US" altLang="zh-TW" dirty="0"/>
                 <a:t>Audit Key A</a:t>
               </a:r>
               <a:endParaRPr lang="zh-TW" altLang="en-US" dirty="0"/>
@@ -4421,8 +4818,8 @@
         </p:nvSpPr>
         <p:spPr>
           <a:xfrm>
-            <a:off x="0" y="83890"/>
-            <a:ext cx="2224007" cy="369332"/>
+            <a:off x="3871993" y="615432"/>
+            <a:ext cx="4197175" cy="369332"/>
           </a:xfrm>
           <a:prstGeom prst="rect">
             <a:avLst/>
@@ -4436,10 +4833,10 @@
           <a:lstStyle/>
           <a:p>
             <a:r>
-              <a:rPr lang="en-US" altLang="zh-TW" dirty="0" smtClean="0"/>
-              <a:t>Client streaming RPCs</a:t>
-            </a:r>
-            <a:endParaRPr lang="zh-TW" altLang="en-US" dirty="0"/>
+              <a:rPr lang="en-US" altLang="zh-TW" b="1" dirty="0"/>
+              <a:t>Client streaming RPCs: Audit working keys</a:t>
+            </a:r>
+            <a:endParaRPr lang="zh-TW" altLang="en-US" b="1" dirty="0"/>
           </a:p>
         </p:txBody>
       </p:sp>
@@ -4514,13 +4911,13 @@
           <a:lstStyle/>
           <a:p>
             <a:r>
-              <a:rPr lang="en-US" altLang="zh-TW" dirty="0" smtClean="0"/>
+              <a:rPr lang="en-US" altLang="zh-TW" dirty="0"/>
               <a:t>Request</a:t>
             </a:r>
           </a:p>
           <a:p>
             <a:r>
-              <a:rPr lang="en-US" altLang="zh-TW" dirty="0" smtClean="0"/>
+              <a:rPr lang="en-US" altLang="zh-TW" dirty="0"/>
               <a:t>Stream</a:t>
             </a:r>
             <a:endParaRPr lang="zh-TW" altLang="en-US" dirty="0"/>
@@ -4644,7 +5041,7 @@
             <a:lstStyle/>
             <a:p>
               <a:r>
-                <a:rPr lang="en-US" altLang="zh-TW" dirty="0" smtClean="0"/>
+                <a:rPr lang="en-US" altLang="zh-TW" dirty="0"/>
                 <a:t>Audit Key B</a:t>
               </a:r>
               <a:endParaRPr lang="zh-TW" altLang="en-US" dirty="0"/>
@@ -4769,7 +5166,7 @@
             <a:lstStyle/>
             <a:p>
               <a:r>
-                <a:rPr lang="en-US" altLang="zh-TW" dirty="0" smtClean="0"/>
+                <a:rPr lang="en-US" altLang="zh-TW" dirty="0"/>
                 <a:t>Audit Key C</a:t>
               </a:r>
               <a:endParaRPr lang="zh-TW" altLang="en-US" dirty="0"/>
@@ -4800,7 +5197,7 @@
           <a:lstStyle/>
           <a:p>
             <a:r>
-              <a:rPr lang="en-US" altLang="zh-TW" dirty="0" smtClean="0"/>
+              <a:rPr lang="en-US" altLang="zh-TW" dirty="0"/>
               <a:t>Audit result</a:t>
             </a:r>
             <a:endParaRPr lang="zh-TW" altLang="en-US" dirty="0"/>
@@ -4820,7 +5217,7 @@
 </p:sld>
 </file>
 
-<file path=ppt/slides/slide4.xml><?xml version="1.0" encoding="utf-8"?>
+<file path=ppt/slides/slide6.xml><?xml version="1.0" encoding="utf-8"?>
 <p:sld xmlns:a="http://schemas.openxmlformats.org/drawingml/2006/main" xmlns:r="http://schemas.openxmlformats.org/officeDocument/2006/relationships" xmlns:p="http://schemas.openxmlformats.org/presentationml/2006/main">
   <p:cSld>
     <p:spTree>
@@ -4922,7 +5319,7 @@
           <a:p>
             <a:pPr algn="ctr"/>
             <a:r>
-              <a:rPr lang="en-US" altLang="zh-TW" dirty="0" smtClean="0"/>
+              <a:rPr lang="en-US" altLang="zh-TW" dirty="0"/>
               <a:t>Client</a:t>
             </a:r>
             <a:endParaRPr lang="zh-TW" altLang="en-US" dirty="0"/>
@@ -4966,7 +5363,7 @@
           <a:p>
             <a:pPr algn="ctr"/>
             <a:r>
-              <a:rPr lang="en-US" altLang="zh-TW" dirty="0" smtClean="0"/>
+              <a:rPr lang="en-US" altLang="zh-TW" dirty="0"/>
               <a:t>Server</a:t>
             </a:r>
             <a:endParaRPr lang="zh-TW" altLang="en-US" dirty="0"/>
@@ -5090,7 +5487,7 @@
             <a:lstStyle/>
             <a:p>
               <a:r>
-                <a:rPr lang="en-US" altLang="zh-TW" dirty="0" smtClean="0"/>
+                <a:rPr lang="en-US" altLang="zh-TW" dirty="0"/>
                 <a:t>Renew Key A</a:t>
               </a:r>
               <a:endParaRPr lang="zh-TW" altLang="en-US" dirty="0"/>
@@ -5106,8 +5503,8 @@
         </p:nvSpPr>
         <p:spPr>
           <a:xfrm>
-            <a:off x="0" y="83890"/>
-            <a:ext cx="2862707" cy="369332"/>
+            <a:off x="3568325" y="660194"/>
+            <a:ext cx="4925323" cy="369332"/>
           </a:xfrm>
           <a:prstGeom prst="rect">
             <a:avLst/>
@@ -5121,10 +5518,10 @@
           <a:lstStyle/>
           <a:p>
             <a:r>
-              <a:rPr lang="en-US" altLang="zh-TW" dirty="0" smtClean="0"/>
-              <a:t>Bidirectional streaming RPCs</a:t>
-            </a:r>
-            <a:endParaRPr lang="zh-TW" altLang="en-US" dirty="0"/>
+              <a:rPr lang="en-US" altLang="zh-TW" b="1" dirty="0"/>
+              <a:t>Bidirectional streaming RPCs: Renew expired keys</a:t>
+            </a:r>
+            <a:endParaRPr lang="zh-TW" altLang="en-US" b="1" dirty="0"/>
           </a:p>
         </p:txBody>
       </p:sp>
@@ -5199,13 +5596,13 @@
           <a:lstStyle/>
           <a:p>
             <a:r>
-              <a:rPr lang="en-US" altLang="zh-TW" dirty="0" smtClean="0"/>
+              <a:rPr lang="en-US" altLang="zh-TW" dirty="0"/>
               <a:t>Request</a:t>
             </a:r>
           </a:p>
           <a:p>
             <a:r>
-              <a:rPr lang="en-US" altLang="zh-TW" dirty="0" smtClean="0"/>
+              <a:rPr lang="en-US" altLang="zh-TW" dirty="0"/>
               <a:t>Stream</a:t>
             </a:r>
             <a:endParaRPr lang="zh-TW" altLang="en-US" dirty="0"/>
@@ -5329,7 +5726,7 @@
             <a:lstStyle/>
             <a:p>
               <a:r>
-                <a:rPr lang="en-US" altLang="zh-TW" dirty="0" smtClean="0"/>
+                <a:rPr lang="en-US" altLang="zh-TW" dirty="0"/>
                 <a:t>Renew Key B</a:t>
               </a:r>
               <a:endParaRPr lang="zh-TW" altLang="en-US" dirty="0"/>
@@ -5454,7 +5851,7 @@
             <a:lstStyle/>
             <a:p>
               <a:r>
-                <a:rPr lang="en-US" altLang="zh-TW" dirty="0" smtClean="0"/>
+                <a:rPr lang="en-US" altLang="zh-TW" dirty="0"/>
                 <a:t>New Key A’</a:t>
               </a:r>
               <a:endParaRPr lang="zh-TW" altLang="en-US" dirty="0"/>
@@ -5533,13 +5930,13 @@
           <a:lstStyle/>
           <a:p>
             <a:r>
-              <a:rPr lang="en-US" altLang="zh-TW" dirty="0" smtClean="0"/>
+              <a:rPr lang="en-US" altLang="zh-TW" dirty="0"/>
               <a:t>Response</a:t>
             </a:r>
           </a:p>
           <a:p>
             <a:r>
-              <a:rPr lang="en-US" altLang="zh-TW" dirty="0" smtClean="0"/>
+              <a:rPr lang="en-US" altLang="zh-TW" dirty="0"/>
               <a:t>Stream</a:t>
             </a:r>
             <a:endParaRPr lang="zh-TW" altLang="en-US" dirty="0"/>
@@ -5663,7 +6060,7 @@
             <a:lstStyle/>
             <a:p>
               <a:r>
-                <a:rPr lang="en-US" altLang="zh-TW" dirty="0" smtClean="0"/>
+                <a:rPr lang="en-US" altLang="zh-TW" dirty="0"/>
                 <a:t>New Key B’</a:t>
               </a:r>
               <a:endParaRPr lang="zh-TW" altLang="en-US" dirty="0"/>
@@ -5684,7 +6081,7 @@
 </p:sld>
 </file>
 
-<file path=ppt/slides/slide5.xml><?xml version="1.0" encoding="utf-8"?>
+<file path=ppt/slides/slide7.xml><?xml version="1.0" encoding="utf-8"?>
 <p:sld xmlns:a="http://schemas.openxmlformats.org/drawingml/2006/main" xmlns:r="http://schemas.openxmlformats.org/officeDocument/2006/relationships" xmlns:p="http://schemas.openxmlformats.org/presentationml/2006/main">
   <p:cSld>
     <p:spTree>
@@ -5703,6 +6100,64 @@
       </p:grpSpPr>
       <p:sp>
         <p:nvSpPr>
+          <p:cNvPr id="2" name="標題 1">
+            <a:extLst>
+              <a:ext uri="{FF2B5EF4-FFF2-40B4-BE49-F238E27FC236}">
+                <a16:creationId xmlns:a16="http://schemas.microsoft.com/office/drawing/2014/main" id="{622F24CB-715E-489C-B747-AD5B70BBBB4A}"/>
+              </a:ext>
+            </a:extLst>
+          </p:cNvPr>
+          <p:cNvSpPr>
+            <a:spLocks noGrp="1"/>
+          </p:cNvSpPr>
+          <p:nvPr>
+            <p:ph type="title"/>
+          </p:nvPr>
+        </p:nvSpPr>
+        <p:spPr/>
+        <p:txBody>
+          <a:bodyPr/>
+          <a:lstStyle/>
+          <a:p>
+            <a:r>
+              <a:rPr lang="en-US" dirty="0"/>
+              <a:t>Appendix</a:t>
+            </a:r>
+          </a:p>
+        </p:txBody>
+      </p:sp>
+    </p:spTree>
+    <p:extLst>
+      <p:ext uri="{BB962C8B-B14F-4D97-AF65-F5344CB8AC3E}">
+        <p14:creationId xmlns:p14="http://schemas.microsoft.com/office/powerpoint/2010/main" val="385054711"/>
+      </p:ext>
+    </p:extLst>
+  </p:cSld>
+  <p:clrMapOvr>
+    <a:masterClrMapping/>
+  </p:clrMapOvr>
+</p:sld>
+</file>
+
+<file path=ppt/slides/slide8.xml><?xml version="1.0" encoding="utf-8"?>
+<p:sld xmlns:a="http://schemas.openxmlformats.org/drawingml/2006/main" xmlns:r="http://schemas.openxmlformats.org/officeDocument/2006/relationships" xmlns:p="http://schemas.openxmlformats.org/presentationml/2006/main">
+  <p:cSld>
+    <p:spTree>
+      <p:nvGrpSpPr>
+        <p:cNvPr id="1" name=""/>
+        <p:cNvGrpSpPr/>
+        <p:nvPr/>
+      </p:nvGrpSpPr>
+      <p:grpSpPr>
+        <a:xfrm>
+          <a:off x="0" y="0"/>
+          <a:ext cx="0" cy="0"/>
+          <a:chOff x="0" y="0"/>
+          <a:chExt cx="0" cy="0"/>
+        </a:xfrm>
+      </p:grpSpPr>
+      <p:sp>
+        <p:nvSpPr>
           <p:cNvPr id="2" name="矩形 1"/>
           <p:cNvSpPr/>
           <p:nvPr/>
@@ -5786,7 +6241,7 @@
           <a:p>
             <a:pPr algn="ctr"/>
             <a:r>
-              <a:rPr lang="en-US" altLang="zh-TW" dirty="0" smtClean="0"/>
+              <a:rPr lang="en-US" altLang="zh-TW" dirty="0"/>
               <a:t>Client</a:t>
             </a:r>
             <a:endParaRPr lang="zh-TW" altLang="en-US" dirty="0"/>
@@ -5830,7 +6285,7 @@
           <a:p>
             <a:pPr algn="ctr"/>
             <a:r>
-              <a:rPr lang="en-US" altLang="zh-TW" dirty="0" smtClean="0"/>
+              <a:rPr lang="en-US" altLang="zh-TW" dirty="0"/>
               <a:t>Server</a:t>
             </a:r>
             <a:endParaRPr lang="zh-TW" altLang="en-US" dirty="0"/>
@@ -5954,7 +6409,7 @@
             <a:lstStyle/>
             <a:p>
               <a:r>
-                <a:rPr lang="en-US" altLang="zh-TW" dirty="0" smtClean="0"/>
+                <a:rPr lang="en-US" altLang="zh-TW" dirty="0"/>
                 <a:t>Renew Key A</a:t>
               </a:r>
               <a:endParaRPr lang="zh-TW" altLang="en-US" dirty="0"/>
@@ -5970,7 +6425,7 @@
         </p:nvSpPr>
         <p:spPr>
           <a:xfrm>
-            <a:off x="0" y="83890"/>
+            <a:off x="3473412" y="587423"/>
             <a:ext cx="3172087" cy="369332"/>
           </a:xfrm>
           <a:prstGeom prst="rect">
@@ -5985,7 +6440,7 @@
           <a:lstStyle/>
           <a:p>
             <a:r>
-              <a:rPr lang="en-US" altLang="zh-TW" dirty="0" smtClean="0"/>
+              <a:rPr lang="en-US" altLang="zh-TW" dirty="0"/>
               <a:t>Bidirectional streaming RPCs (II)</a:t>
             </a:r>
             <a:endParaRPr lang="zh-TW" altLang="en-US" dirty="0"/>
@@ -6063,13 +6518,13 @@
           <a:lstStyle/>
           <a:p>
             <a:r>
-              <a:rPr lang="en-US" altLang="zh-TW" dirty="0" smtClean="0"/>
+              <a:rPr lang="en-US" altLang="zh-TW" dirty="0"/>
               <a:t>Request</a:t>
             </a:r>
           </a:p>
           <a:p>
             <a:r>
-              <a:rPr lang="en-US" altLang="zh-TW" dirty="0" smtClean="0"/>
+              <a:rPr lang="en-US" altLang="zh-TW" dirty="0"/>
               <a:t>Stream</a:t>
             </a:r>
             <a:endParaRPr lang="zh-TW" altLang="en-US" dirty="0"/>
@@ -6193,7 +6648,7 @@
             <a:lstStyle/>
             <a:p>
               <a:r>
-                <a:rPr lang="en-US" altLang="zh-TW" dirty="0" smtClean="0"/>
+                <a:rPr lang="en-US" altLang="zh-TW" dirty="0"/>
                 <a:t>Renew Key B</a:t>
               </a:r>
               <a:endParaRPr lang="zh-TW" altLang="en-US" dirty="0"/>
@@ -6318,7 +6773,7 @@
             <a:lstStyle/>
             <a:p>
               <a:r>
-                <a:rPr lang="en-US" altLang="zh-TW" dirty="0" smtClean="0"/>
+                <a:rPr lang="en-US" altLang="zh-TW" dirty="0"/>
                 <a:t>New Key A’</a:t>
               </a:r>
               <a:endParaRPr lang="zh-TW" altLang="en-US" dirty="0"/>
@@ -6397,13 +6852,13 @@
           <a:lstStyle/>
           <a:p>
             <a:r>
-              <a:rPr lang="en-US" altLang="zh-TW" dirty="0" smtClean="0"/>
+              <a:rPr lang="en-US" altLang="zh-TW" dirty="0"/>
               <a:t>Response</a:t>
             </a:r>
           </a:p>
           <a:p>
             <a:r>
-              <a:rPr lang="en-US" altLang="zh-TW" dirty="0" smtClean="0"/>
+              <a:rPr lang="en-US" altLang="zh-TW" dirty="0"/>
               <a:t>Stream</a:t>
             </a:r>
             <a:endParaRPr lang="zh-TW" altLang="en-US" dirty="0"/>
@@ -6527,7 +6982,7 @@
             <a:lstStyle/>
             <a:p>
               <a:r>
-                <a:rPr lang="en-US" altLang="zh-TW" dirty="0" smtClean="0"/>
+                <a:rPr lang="en-US" altLang="zh-TW" dirty="0"/>
                 <a:t>New Key B’</a:t>
               </a:r>
               <a:endParaRPr lang="zh-TW" altLang="en-US" dirty="0"/>
